--- a/econresearchR.pptx
+++ b/econresearchR.pptx
@@ -197,7 +197,7 @@
           <a:p>
             <a:fld id="{6B584887-BE72-42BF-B329-9BCE6EBD901C}" type="datetimeFigureOut">
               <a:rPr lang="es-PE" smtClean="0"/>
-              <a:t>25/07/2021</a:t>
+              <a:t>6/04/2022</a:t>
             </a:fld>
             <a:endParaRPr lang="es-PE"/>
           </a:p>
@@ -668,7 +668,7 @@
           <a:p>
             <a:fld id="{862CADF3-5944-47B7-A1FC-787C16FD077D}" type="datetime1">
               <a:rPr lang="es-PE" smtClean="0"/>
-              <a:t>25/07/2021</a:t>
+              <a:t>6/04/2022</a:t>
             </a:fld>
             <a:endParaRPr lang="es-PE"/>
           </a:p>
@@ -871,7 +871,7 @@
           <a:p>
             <a:fld id="{7AE04255-FC2A-4C8B-B190-6408832140DB}" type="datetime1">
               <a:rPr lang="es-PE" smtClean="0"/>
-              <a:t>25/07/2021</a:t>
+              <a:t>6/04/2022</a:t>
             </a:fld>
             <a:endParaRPr lang="es-PE"/>
           </a:p>
@@ -1084,7 +1084,7 @@
           <a:p>
             <a:fld id="{82D28D12-D07A-4E47-AD0D-F2AF419204D9}" type="datetime1">
               <a:rPr lang="es-PE" smtClean="0"/>
-              <a:t>25/07/2021</a:t>
+              <a:t>6/04/2022</a:t>
             </a:fld>
             <a:endParaRPr lang="es-PE"/>
           </a:p>
@@ -1229,7 +1229,7 @@
           <a:p>
             <a:fld id="{3D8593A5-55C4-42FC-8DCD-8FD7E11D53ED}" type="datetime1">
               <a:rPr lang="es-PE" smtClean="0"/>
-              <a:t>25/07/2021</a:t>
+              <a:t>6/04/2022</a:t>
             </a:fld>
             <a:endParaRPr lang="es-PE"/>
           </a:p>
@@ -1445,7 +1445,7 @@
           <a:p>
             <a:fld id="{B60350BF-4444-4321-B05F-3AD8C97A9AB9}" type="datetime1">
               <a:rPr lang="es-PE" smtClean="0"/>
-              <a:t>25/07/2021</a:t>
+              <a:t>6/04/2022</a:t>
             </a:fld>
             <a:endParaRPr lang="es-PE"/>
           </a:p>
@@ -1623,7 +1623,7 @@
           <a:p>
             <a:fld id="{211668C6-4F77-44CC-B52A-BB6468891FE4}" type="datetime1">
               <a:rPr lang="es-PE" smtClean="0"/>
-              <a:t>25/07/2021</a:t>
+              <a:t>6/04/2022</a:t>
             </a:fld>
             <a:endParaRPr lang="es-PE"/>
           </a:p>
@@ -1928,7 +1928,7 @@
           <a:p>
             <a:fld id="{FFB317FF-2EAA-4EE5-9F7A-E14F96A020E7}" type="datetime1">
               <a:rPr lang="es-PE" smtClean="0"/>
-              <a:t>25/07/2021</a:t>
+              <a:t>6/04/2022</a:t>
             </a:fld>
             <a:endParaRPr lang="es-PE"/>
           </a:p>
@@ -2346,7 +2346,7 @@
           <a:p>
             <a:fld id="{4679FB13-5414-41B4-9930-191A3682FB1D}" type="datetime1">
               <a:rPr lang="es-PE" smtClean="0"/>
-              <a:t>25/07/2021</a:t>
+              <a:t>6/04/2022</a:t>
             </a:fld>
             <a:endParaRPr lang="es-PE"/>
           </a:p>
@@ -2491,7 +2491,7 @@
           <a:p>
             <a:fld id="{E5EFB83F-F15E-4892-BB31-61CF55325EDA}" type="datetime1">
               <a:rPr lang="es-PE" smtClean="0"/>
-              <a:t>25/07/2021</a:t>
+              <a:t>6/04/2022</a:t>
             </a:fld>
             <a:endParaRPr lang="es-PE"/>
           </a:p>
@@ -2607,7 +2607,7 @@
           <a:p>
             <a:fld id="{98D9DFED-3DBE-4783-A16A-A0B0AEF34B32}" type="datetime1">
               <a:rPr lang="es-PE" smtClean="0"/>
-              <a:t>25/07/2021</a:t>
+              <a:t>6/04/2022</a:t>
             </a:fld>
             <a:endParaRPr lang="es-PE"/>
           </a:p>
@@ -2923,7 +2923,7 @@
           <a:p>
             <a:fld id="{BD613008-6DE8-4A23-AE9D-AF0C1755639B}" type="datetime1">
               <a:rPr lang="es-PE" smtClean="0"/>
-              <a:t>25/07/2021</a:t>
+              <a:t>6/04/2022</a:t>
             </a:fld>
             <a:endParaRPr lang="es-PE"/>
           </a:p>
@@ -3219,7 +3219,7 @@
           <a:p>
             <a:fld id="{1A88016B-062C-4972-A722-A54B9947A020}" type="datetime1">
               <a:rPr lang="es-PE" smtClean="0"/>
-              <a:t>25/07/2021</a:t>
+              <a:t>6/04/2022</a:t>
             </a:fld>
             <a:endParaRPr lang="es-PE"/>
           </a:p>
@@ -3468,7 +3468,7 @@
           <a:p>
             <a:fld id="{FBB2519D-2E4F-485A-A5E2-EC2A1460BB18}" type="datetime1">
               <a:rPr lang="es-PE" smtClean="0"/>
-              <a:t>25/07/2021</a:t>
+              <a:t>6/04/2022</a:t>
             </a:fld>
             <a:endParaRPr lang="es-PE"/>
           </a:p>
@@ -3892,10 +3892,10 @@
       </p:grpSpPr>
       <p:grpSp>
         <p:nvGrpSpPr>
-          <p:cNvPr id="91" name="Grupo 90">
-            <a:extLst>
-              <a:ext uri="{FF2B5EF4-FFF2-40B4-BE49-F238E27FC236}">
-                <a16:creationId xmlns:a16="http://schemas.microsoft.com/office/drawing/2014/main" id="{CEA5EF5E-31E1-40B5-8DA9-230C1E5C8E41}"/>
+          <p:cNvPr id="69" name="Group 68">
+            <a:extLst>
+              <a:ext uri="{FF2B5EF4-FFF2-40B4-BE49-F238E27FC236}">
+                <a16:creationId xmlns:a16="http://schemas.microsoft.com/office/drawing/2014/main" id="{B3D18B47-4BD8-4522-92DC-D8172A355C38}"/>
               </a:ext>
             </a:extLst>
           </p:cNvPr>
@@ -3904,18 +3904,18 @@
         </p:nvGrpSpPr>
         <p:grpSpPr>
           <a:xfrm>
-            <a:off x="1670180" y="83976"/>
-            <a:ext cx="9647853" cy="6662057"/>
-            <a:chOff x="1670180" y="83976"/>
-            <a:chExt cx="9647853" cy="6662057"/>
+            <a:off x="416146" y="110102"/>
+            <a:ext cx="10195876" cy="6662057"/>
+            <a:chOff x="416146" y="110102"/>
+            <a:chExt cx="10195876" cy="6662057"/>
           </a:xfrm>
         </p:grpSpPr>
         <p:grpSp>
           <p:nvGrpSpPr>
-            <p:cNvPr id="89" name="Grupo 88">
+            <p:cNvPr id="91" name="Grupo 90">
               <a:extLst>
                 <a:ext uri="{FF2B5EF4-FFF2-40B4-BE49-F238E27FC236}">
-                  <a16:creationId xmlns:a16="http://schemas.microsoft.com/office/drawing/2014/main" id="{90BC233D-357B-4342-B680-4392C09725D8}"/>
+                  <a16:creationId xmlns:a16="http://schemas.microsoft.com/office/drawing/2014/main" id="{CEA5EF5E-31E1-40B5-8DA9-230C1E5C8E41}"/>
                 </a:ext>
               </a:extLst>
             </p:cNvPr>
@@ -3924,59 +3924,18 @@
           </p:nvGrpSpPr>
           <p:grpSpPr>
             <a:xfrm>
-              <a:off x="2799188" y="572276"/>
-              <a:ext cx="6562531" cy="5560908"/>
-              <a:chOff x="681139" y="562946"/>
-              <a:chExt cx="6562531" cy="5560908"/>
+              <a:off x="416146" y="110102"/>
+              <a:ext cx="9647853" cy="6662057"/>
+              <a:chOff x="1670180" y="83976"/>
+              <a:chExt cx="9647853" cy="6662057"/>
             </a:xfrm>
           </p:grpSpPr>
-          <p:sp>
-            <p:nvSpPr>
-              <p:cNvPr id="2" name="CuadroTexto 1">
+          <p:grpSp>
+            <p:nvGrpSpPr>
+              <p:cNvPr id="89" name="Grupo 88">
                 <a:extLst>
                   <a:ext uri="{FF2B5EF4-FFF2-40B4-BE49-F238E27FC236}">
-                    <a16:creationId xmlns:a16="http://schemas.microsoft.com/office/drawing/2014/main" id="{65F69F98-55A3-48A9-B7AB-2E9F6D32A390}"/>
-                  </a:ext>
-                </a:extLst>
-              </p:cNvPr>
-              <p:cNvSpPr txBox="1"/>
-              <p:nvPr/>
-            </p:nvSpPr>
-            <p:spPr>
-              <a:xfrm>
-                <a:off x="681139" y="3153739"/>
-                <a:ext cx="1101008" cy="523220"/>
-              </a:xfrm>
-              <a:prstGeom prst="rect">
-                <a:avLst/>
-              </a:prstGeom>
-              <a:noFill/>
-              <a:ln w="19050">
-                <a:solidFill>
-                  <a:schemeClr val="tx1"/>
-                </a:solidFill>
-              </a:ln>
-            </p:spPr>
-            <p:txBody>
-              <a:bodyPr wrap="square" rtlCol="0">
-                <a:spAutoFit/>
-              </a:bodyPr>
-              <a:lstStyle/>
-              <a:p>
-                <a:pPr algn="ctr"/>
-                <a:r>
-                  <a:rPr lang="es-US" sz="1400" b="1" dirty="0"/>
-                  <a:t>Project Folder</a:t>
-                </a:r>
-              </a:p>
-            </p:txBody>
-          </p:sp>
-          <p:grpSp>
-            <p:nvGrpSpPr>
-              <p:cNvPr id="60" name="Grupo 59">
-                <a:extLst>
-                  <a:ext uri="{FF2B5EF4-FFF2-40B4-BE49-F238E27FC236}">
-                    <a16:creationId xmlns:a16="http://schemas.microsoft.com/office/drawing/2014/main" id="{42415C44-F32A-4876-B104-9B56BFFA6DE5}"/>
+                    <a16:creationId xmlns:a16="http://schemas.microsoft.com/office/drawing/2014/main" id="{90BC233D-357B-4342-B680-4392C09725D8}"/>
                   </a:ext>
                 </a:extLst>
               </p:cNvPr>
@@ -3985,18 +3944,59 @@
             </p:nvGrpSpPr>
             <p:grpSpPr>
               <a:xfrm>
-                <a:off x="2503718" y="562946"/>
-                <a:ext cx="4739952" cy="5560908"/>
-                <a:chOff x="2503718" y="562946"/>
-                <a:chExt cx="4739952" cy="5560908"/>
+                <a:off x="2799188" y="572276"/>
+                <a:ext cx="6562531" cy="5560908"/>
+                <a:chOff x="681139" y="562946"/>
+                <a:chExt cx="6562531" cy="5560908"/>
               </a:xfrm>
             </p:grpSpPr>
+            <p:sp>
+              <p:nvSpPr>
+                <p:cNvPr id="2" name="CuadroTexto 1">
+                  <a:extLst>
+                    <a:ext uri="{FF2B5EF4-FFF2-40B4-BE49-F238E27FC236}">
+                      <a16:creationId xmlns:a16="http://schemas.microsoft.com/office/drawing/2014/main" id="{65F69F98-55A3-48A9-B7AB-2E9F6D32A390}"/>
+                    </a:ext>
+                  </a:extLst>
+                </p:cNvPr>
+                <p:cNvSpPr txBox="1"/>
+                <p:nvPr/>
+              </p:nvSpPr>
+              <p:spPr>
+                <a:xfrm>
+                  <a:off x="681139" y="3153739"/>
+                  <a:ext cx="1101008" cy="523220"/>
+                </a:xfrm>
+                <a:prstGeom prst="rect">
+                  <a:avLst/>
+                </a:prstGeom>
+                <a:noFill/>
+                <a:ln w="19050">
+                  <a:solidFill>
+                    <a:schemeClr val="tx1"/>
+                  </a:solidFill>
+                </a:ln>
+              </p:spPr>
+              <p:txBody>
+                <a:bodyPr wrap="square" rtlCol="0">
+                  <a:spAutoFit/>
+                </a:bodyPr>
+                <a:lstStyle/>
+                <a:p>
+                  <a:pPr algn="ctr"/>
+                  <a:r>
+                    <a:rPr lang="es-US" sz="1400" b="1" dirty="0"/>
+                    <a:t>Project Folder</a:t>
+                  </a:r>
+                </a:p>
+              </p:txBody>
+            </p:sp>
             <p:grpSp>
               <p:nvGrpSpPr>
-                <p:cNvPr id="58" name="Grupo 57">
+                <p:cNvPr id="60" name="Grupo 59">
                   <a:extLst>
                     <a:ext uri="{FF2B5EF4-FFF2-40B4-BE49-F238E27FC236}">
-                      <a16:creationId xmlns:a16="http://schemas.microsoft.com/office/drawing/2014/main" id="{A16323A0-A338-491A-AC18-87F99ECDE47C}"/>
+                      <a16:creationId xmlns:a16="http://schemas.microsoft.com/office/drawing/2014/main" id="{42415C44-F32A-4876-B104-9B56BFFA6DE5}"/>
                     </a:ext>
                   </a:extLst>
                 </p:cNvPr>
@@ -4006,17 +4006,1212 @@
               <p:grpSpPr>
                 <a:xfrm>
                   <a:off x="2503718" y="562946"/>
-                  <a:ext cx="4739952" cy="4864232"/>
+                  <a:ext cx="4739952" cy="5560908"/>
                   <a:chOff x="2503718" y="562946"/>
-                  <a:chExt cx="4739952" cy="4864232"/>
+                  <a:chExt cx="4739952" cy="5560908"/>
                 </a:xfrm>
               </p:grpSpPr>
+              <p:grpSp>
+                <p:nvGrpSpPr>
+                  <p:cNvPr id="58" name="Grupo 57">
+                    <a:extLst>
+                      <a:ext uri="{FF2B5EF4-FFF2-40B4-BE49-F238E27FC236}">
+                        <a16:creationId xmlns:a16="http://schemas.microsoft.com/office/drawing/2014/main" id="{A16323A0-A338-491A-AC18-87F99ECDE47C}"/>
+                      </a:ext>
+                    </a:extLst>
+                  </p:cNvPr>
+                  <p:cNvGrpSpPr/>
+                  <p:nvPr/>
+                </p:nvGrpSpPr>
+                <p:grpSpPr>
+                  <a:xfrm>
+                    <a:off x="2503718" y="562946"/>
+                    <a:ext cx="4739952" cy="4864232"/>
+                    <a:chOff x="2503718" y="562946"/>
+                    <a:chExt cx="4739952" cy="4864232"/>
+                  </a:xfrm>
+                </p:grpSpPr>
+                <p:sp>
+                  <p:nvSpPr>
+                    <p:cNvPr id="5" name="CuadroTexto 4">
+                      <a:extLst>
+                        <a:ext uri="{FF2B5EF4-FFF2-40B4-BE49-F238E27FC236}">
+                          <a16:creationId xmlns:a16="http://schemas.microsoft.com/office/drawing/2014/main" id="{AB6591B6-6FB8-4E09-B031-394C46988FDF}"/>
+                        </a:ext>
+                      </a:extLst>
+                    </p:cNvPr>
+                    <p:cNvSpPr txBox="1"/>
+                    <p:nvPr/>
+                  </p:nvSpPr>
+                  <p:spPr>
+                    <a:xfrm>
+                      <a:off x="2503718" y="562946"/>
+                      <a:ext cx="1863012" cy="307777"/>
+                    </a:xfrm>
+                    <a:prstGeom prst="rect">
+                      <a:avLst/>
+                    </a:prstGeom>
+                    <a:noFill/>
+                    <a:ln w="19050">
+                      <a:solidFill>
+                        <a:schemeClr val="tx1"/>
+                      </a:solidFill>
+                    </a:ln>
+                  </p:spPr>
+                  <p:txBody>
+                    <a:bodyPr wrap="square" rtlCol="0">
+                      <a:spAutoFit/>
+                    </a:bodyPr>
+                    <a:lstStyle/>
+                    <a:p>
+                      <a:pPr algn="ctr"/>
+                      <a:r>
+                        <a:rPr lang="es-US" sz="1400" dirty="0"/>
+                        <a:t>01_administration</a:t>
+                      </a:r>
+                    </a:p>
+                  </p:txBody>
+                </p:sp>
+                <p:sp>
+                  <p:nvSpPr>
+                    <p:cNvPr id="10" name="CuadroTexto 9">
+                      <a:extLst>
+                        <a:ext uri="{FF2B5EF4-FFF2-40B4-BE49-F238E27FC236}">
+                          <a16:creationId xmlns:a16="http://schemas.microsoft.com/office/drawing/2014/main" id="{39B7A338-C537-4596-A731-8BCC66E4C005}"/>
+                        </a:ext>
+                      </a:extLst>
+                    </p:cNvPr>
+                    <p:cNvSpPr txBox="1"/>
+                    <p:nvPr/>
+                  </p:nvSpPr>
+                  <p:spPr>
+                    <a:xfrm>
+                      <a:off x="2509937" y="4898567"/>
+                      <a:ext cx="1863012" cy="307777"/>
+                    </a:xfrm>
+                    <a:prstGeom prst="rect">
+                      <a:avLst/>
+                    </a:prstGeom>
+                    <a:noFill/>
+                    <a:ln w="19050">
+                      <a:solidFill>
+                        <a:schemeClr val="tx1"/>
+                      </a:solidFill>
+                    </a:ln>
+                  </p:spPr>
+                  <p:txBody>
+                    <a:bodyPr wrap="square" rtlCol="0">
+                      <a:spAutoFit/>
+                    </a:bodyPr>
+                    <a:lstStyle/>
+                    <a:p>
+                      <a:pPr algn="ctr"/>
+                      <a:r>
+                        <a:rPr lang="es-US" sz="1400" dirty="0"/>
+                        <a:t>04_dissemination</a:t>
+                      </a:r>
+                    </a:p>
+                  </p:txBody>
+                </p:sp>
+                <p:grpSp>
+                  <p:nvGrpSpPr>
+                    <p:cNvPr id="21" name="Grupo 20">
+                      <a:extLst>
+                        <a:ext uri="{FF2B5EF4-FFF2-40B4-BE49-F238E27FC236}">
+                          <a16:creationId xmlns:a16="http://schemas.microsoft.com/office/drawing/2014/main" id="{595F1A7E-49B2-4B71-8E1E-72C4983A2F2F}"/>
+                        </a:ext>
+                      </a:extLst>
+                    </p:cNvPr>
+                    <p:cNvGrpSpPr/>
+                    <p:nvPr/>
+                  </p:nvGrpSpPr>
+                  <p:grpSpPr>
+                    <a:xfrm>
+                      <a:off x="5377550" y="4743066"/>
+                      <a:ext cx="1866120" cy="684112"/>
+                      <a:chOff x="4674641" y="1539556"/>
+                      <a:chExt cx="1866120" cy="684112"/>
+                    </a:xfrm>
+                  </p:grpSpPr>
+                  <p:sp>
+                    <p:nvSpPr>
+                      <p:cNvPr id="22" name="CuadroTexto 21">
+                        <a:extLst>
+                          <a:ext uri="{FF2B5EF4-FFF2-40B4-BE49-F238E27FC236}">
+                            <a16:creationId xmlns:a16="http://schemas.microsoft.com/office/drawing/2014/main" id="{0055A6FE-913C-4642-AA29-CD324A5C133B}"/>
+                          </a:ext>
+                        </a:extLst>
+                      </p:cNvPr>
+                      <p:cNvSpPr txBox="1"/>
+                      <p:nvPr/>
+                    </p:nvSpPr>
+                    <p:spPr>
+                      <a:xfrm>
+                        <a:off x="4674641" y="1539556"/>
+                        <a:ext cx="1863012" cy="307777"/>
+                      </a:xfrm>
+                      <a:prstGeom prst="rect">
+                        <a:avLst/>
+                      </a:prstGeom>
+                      <a:noFill/>
+                      <a:ln w="19050">
+                        <a:solidFill>
+                          <a:schemeClr val="tx1"/>
+                        </a:solidFill>
+                      </a:ln>
+                    </p:spPr>
+                    <p:txBody>
+                      <a:bodyPr wrap="square" rtlCol="0">
+                        <a:spAutoFit/>
+                      </a:bodyPr>
+                      <a:lstStyle/>
+                      <a:p>
+                        <a:pPr algn="ctr"/>
+                        <a:r>
+                          <a:rPr lang="es-US" sz="1400" dirty="0"/>
+                          <a:t>01_presentations</a:t>
+                        </a:r>
+                      </a:p>
+                    </p:txBody>
+                  </p:sp>
+                  <p:sp>
+                    <p:nvSpPr>
+                      <p:cNvPr id="23" name="CuadroTexto 22">
+                        <a:extLst>
+                          <a:ext uri="{FF2B5EF4-FFF2-40B4-BE49-F238E27FC236}">
+                            <a16:creationId xmlns:a16="http://schemas.microsoft.com/office/drawing/2014/main" id="{60806B70-1E1F-4713-AC56-EEC48ED37257}"/>
+                          </a:ext>
+                        </a:extLst>
+                      </p:cNvPr>
+                      <p:cNvSpPr txBox="1"/>
+                      <p:nvPr/>
+                    </p:nvSpPr>
+                    <p:spPr>
+                      <a:xfrm>
+                        <a:off x="4677749" y="1915891"/>
+                        <a:ext cx="1863012" cy="307777"/>
+                      </a:xfrm>
+                      <a:prstGeom prst="rect">
+                        <a:avLst/>
+                      </a:prstGeom>
+                      <a:noFill/>
+                      <a:ln w="19050">
+                        <a:solidFill>
+                          <a:schemeClr val="tx1"/>
+                        </a:solidFill>
+                      </a:ln>
+                    </p:spPr>
+                    <p:txBody>
+                      <a:bodyPr wrap="square" rtlCol="0">
+                        <a:spAutoFit/>
+                      </a:bodyPr>
+                      <a:lstStyle/>
+                      <a:p>
+                        <a:pPr algn="ctr"/>
+                        <a:r>
+                          <a:rPr lang="es-US" sz="1400" dirty="0"/>
+                          <a:t>02_publication</a:t>
+                        </a:r>
+                      </a:p>
+                    </p:txBody>
+                  </p:sp>
+                </p:grpSp>
+                <p:cxnSp>
+                  <p:nvCxnSpPr>
+                    <p:cNvPr id="29" name="Conector: angular 28">
+                      <a:extLst>
+                        <a:ext uri="{FF2B5EF4-FFF2-40B4-BE49-F238E27FC236}">
+                          <a16:creationId xmlns:a16="http://schemas.microsoft.com/office/drawing/2014/main" id="{6358A109-D502-4313-A3F2-0DFD51872FAF}"/>
+                        </a:ext>
+                      </a:extLst>
+                    </p:cNvPr>
+                    <p:cNvCxnSpPr>
+                      <a:cxnSpLocks/>
+                      <a:endCxn id="22" idx="1"/>
+                    </p:cNvCxnSpPr>
+                    <p:nvPr/>
+                  </p:nvCxnSpPr>
+                  <p:spPr>
+                    <a:xfrm flipV="1">
+                      <a:off x="4366729" y="4896955"/>
+                      <a:ext cx="1010821" cy="167954"/>
+                    </a:xfrm>
+                    <a:prstGeom prst="bentConnector3">
+                      <a:avLst/>
+                    </a:prstGeom>
+                    <a:ln w="19050">
+                      <a:solidFill>
+                        <a:schemeClr val="bg1">
+                          <a:lumMod val="50000"/>
+                        </a:schemeClr>
+                      </a:solidFill>
+                      <a:tailEnd type="triangle"/>
+                    </a:ln>
+                  </p:spPr>
+                  <p:style>
+                    <a:lnRef idx="1">
+                      <a:schemeClr val="accent1"/>
+                    </a:lnRef>
+                    <a:fillRef idx="0">
+                      <a:schemeClr val="accent1"/>
+                    </a:fillRef>
+                    <a:effectRef idx="0">
+                      <a:schemeClr val="accent1"/>
+                    </a:effectRef>
+                    <a:fontRef idx="minor">
+                      <a:schemeClr val="tx1"/>
+                    </a:fontRef>
+                  </p:style>
+                </p:cxnSp>
+                <p:cxnSp>
+                  <p:nvCxnSpPr>
+                    <p:cNvPr id="32" name="Conector: angular 31">
+                      <a:extLst>
+                        <a:ext uri="{FF2B5EF4-FFF2-40B4-BE49-F238E27FC236}">
+                          <a16:creationId xmlns:a16="http://schemas.microsoft.com/office/drawing/2014/main" id="{A00B69B3-0454-461A-A627-206E556CA0D1}"/>
+                        </a:ext>
+                      </a:extLst>
+                    </p:cNvPr>
+                    <p:cNvCxnSpPr>
+                      <a:cxnSpLocks/>
+                      <a:endCxn id="23" idx="1"/>
+                    </p:cNvCxnSpPr>
+                    <p:nvPr/>
+                  </p:nvCxnSpPr>
+                  <p:spPr>
+                    <a:xfrm>
+                      <a:off x="4397832" y="5068019"/>
+                      <a:ext cx="982826" cy="205271"/>
+                    </a:xfrm>
+                    <a:prstGeom prst="bentConnector3">
+                      <a:avLst>
+                        <a:gd name="adj1" fmla="val 48102"/>
+                      </a:avLst>
+                    </a:prstGeom>
+                    <a:ln w="19050">
+                      <a:solidFill>
+                        <a:schemeClr val="bg1">
+                          <a:lumMod val="50000"/>
+                        </a:schemeClr>
+                      </a:solidFill>
+                      <a:tailEnd type="triangle"/>
+                    </a:ln>
+                  </p:spPr>
+                  <p:style>
+                    <a:lnRef idx="1">
+                      <a:schemeClr val="accent1"/>
+                    </a:lnRef>
+                    <a:fillRef idx="0">
+                      <a:schemeClr val="accent1"/>
+                    </a:fillRef>
+                    <a:effectRef idx="0">
+                      <a:schemeClr val="accent1"/>
+                    </a:effectRef>
+                    <a:fontRef idx="minor">
+                      <a:schemeClr val="tx1"/>
+                    </a:fontRef>
+                  </p:style>
+                </p:cxnSp>
+                <p:grpSp>
+                  <p:nvGrpSpPr>
+                    <p:cNvPr id="51" name="Grupo 50">
+                      <a:extLst>
+                        <a:ext uri="{FF2B5EF4-FFF2-40B4-BE49-F238E27FC236}">
+                          <a16:creationId xmlns:a16="http://schemas.microsoft.com/office/drawing/2014/main" id="{6AD25E75-DE90-4808-8392-AE094EF60B76}"/>
+                        </a:ext>
+                      </a:extLst>
+                    </p:cNvPr>
+                    <p:cNvGrpSpPr/>
+                    <p:nvPr/>
+                  </p:nvGrpSpPr>
+                  <p:grpSpPr>
+                    <a:xfrm>
+                      <a:off x="2516159" y="1101018"/>
+                      <a:ext cx="4724400" cy="1060447"/>
+                      <a:chOff x="2516159" y="1101018"/>
+                      <a:chExt cx="4724400" cy="1060447"/>
+                    </a:xfrm>
+                  </p:grpSpPr>
+                  <p:sp>
+                    <p:nvSpPr>
+                      <p:cNvPr id="8" name="CuadroTexto 7">
+                        <a:extLst>
+                          <a:ext uri="{FF2B5EF4-FFF2-40B4-BE49-F238E27FC236}">
+                            <a16:creationId xmlns:a16="http://schemas.microsoft.com/office/drawing/2014/main" id="{6F0C3CE2-4558-42C1-8131-2644FD77C9CA}"/>
+                          </a:ext>
+                        </a:extLst>
+                      </p:cNvPr>
+                      <p:cNvSpPr txBox="1"/>
+                      <p:nvPr/>
+                    </p:nvSpPr>
+                    <p:spPr>
+                      <a:xfrm>
+                        <a:off x="2516159" y="1480467"/>
+                        <a:ext cx="1863012" cy="307777"/>
+                      </a:xfrm>
+                      <a:prstGeom prst="rect">
+                        <a:avLst/>
+                      </a:prstGeom>
+                      <a:noFill/>
+                      <a:ln w="19050">
+                        <a:solidFill>
+                          <a:schemeClr val="tx1"/>
+                        </a:solidFill>
+                      </a:ln>
+                    </p:spPr>
+                    <p:txBody>
+                      <a:bodyPr wrap="square" rtlCol="0">
+                        <a:spAutoFit/>
+                      </a:bodyPr>
+                      <a:lstStyle/>
+                      <a:p>
+                        <a:pPr algn="ctr"/>
+                        <a:r>
+                          <a:rPr lang="es-US" sz="1400" dirty="0"/>
+                          <a:t>02_literature</a:t>
+                        </a:r>
+                      </a:p>
+                    </p:txBody>
+                  </p:sp>
+                  <p:grpSp>
+                    <p:nvGrpSpPr>
+                      <p:cNvPr id="3" name="Grupo 2">
+                        <a:extLst>
+                          <a:ext uri="{FF2B5EF4-FFF2-40B4-BE49-F238E27FC236}">
+                            <a16:creationId xmlns:a16="http://schemas.microsoft.com/office/drawing/2014/main" id="{5F2979CA-1DCF-4916-AE72-2871A5925990}"/>
+                          </a:ext>
+                        </a:extLst>
+                      </p:cNvPr>
+                      <p:cNvGrpSpPr/>
+                      <p:nvPr/>
+                    </p:nvGrpSpPr>
+                    <p:grpSpPr>
+                      <a:xfrm>
+                        <a:off x="5371327" y="1101018"/>
+                        <a:ext cx="1869232" cy="1060447"/>
+                        <a:chOff x="4671529" y="1539556"/>
+                        <a:chExt cx="1869232" cy="1060447"/>
+                      </a:xfrm>
+                    </p:grpSpPr>
+                    <p:sp>
+                      <p:nvSpPr>
+                        <p:cNvPr id="11" name="CuadroTexto 10">
+                          <a:extLst>
+                            <a:ext uri="{FF2B5EF4-FFF2-40B4-BE49-F238E27FC236}">
+                              <a16:creationId xmlns:a16="http://schemas.microsoft.com/office/drawing/2014/main" id="{9C3362C3-6395-44DA-BDDD-33E38D631FB9}"/>
+                            </a:ext>
+                          </a:extLst>
+                        </p:cNvPr>
+                        <p:cNvSpPr txBox="1"/>
+                        <p:nvPr/>
+                      </p:nvSpPr>
+                      <p:spPr>
+                        <a:xfrm>
+                          <a:off x="4674641" y="1539556"/>
+                          <a:ext cx="1863012" cy="307777"/>
+                        </a:xfrm>
+                        <a:prstGeom prst="rect">
+                          <a:avLst/>
+                        </a:prstGeom>
+                        <a:noFill/>
+                        <a:ln w="19050">
+                          <a:solidFill>
+                            <a:schemeClr val="tx1"/>
+                          </a:solidFill>
+                        </a:ln>
+                      </p:spPr>
+                      <p:txBody>
+                        <a:bodyPr wrap="square" rtlCol="0">
+                          <a:spAutoFit/>
+                        </a:bodyPr>
+                        <a:lstStyle/>
+                        <a:p>
+                          <a:pPr algn="ctr"/>
+                          <a:r>
+                            <a:rPr lang="es-US" sz="1400" dirty="0"/>
+                            <a:t>01_books</a:t>
+                          </a:r>
+                        </a:p>
+                      </p:txBody>
+                    </p:sp>
+                    <p:sp>
+                      <p:nvSpPr>
+                        <p:cNvPr id="12" name="CuadroTexto 11">
+                          <a:extLst>
+                            <a:ext uri="{FF2B5EF4-FFF2-40B4-BE49-F238E27FC236}">
+                              <a16:creationId xmlns:a16="http://schemas.microsoft.com/office/drawing/2014/main" id="{914031F4-DE75-42BC-A12C-4371F4C0FF6E}"/>
+                            </a:ext>
+                          </a:extLst>
+                        </p:cNvPr>
+                        <p:cNvSpPr txBox="1"/>
+                        <p:nvPr/>
+                      </p:nvSpPr>
+                      <p:spPr>
+                        <a:xfrm>
+                          <a:off x="4677749" y="1915891"/>
+                          <a:ext cx="1863012" cy="307777"/>
+                        </a:xfrm>
+                        <a:prstGeom prst="rect">
+                          <a:avLst/>
+                        </a:prstGeom>
+                        <a:noFill/>
+                        <a:ln w="19050">
+                          <a:solidFill>
+                            <a:schemeClr val="tx1"/>
+                          </a:solidFill>
+                        </a:ln>
+                      </p:spPr>
+                      <p:txBody>
+                        <a:bodyPr wrap="square" rtlCol="0">
+                          <a:spAutoFit/>
+                        </a:bodyPr>
+                        <a:lstStyle/>
+                        <a:p>
+                          <a:pPr algn="ctr"/>
+                          <a:r>
+                            <a:rPr lang="es-US" sz="1400" dirty="0"/>
+                            <a:t>02_papers</a:t>
+                          </a:r>
+                        </a:p>
+                      </p:txBody>
+                    </p:sp>
+                    <p:sp>
+                      <p:nvSpPr>
+                        <p:cNvPr id="13" name="CuadroTexto 12">
+                          <a:extLst>
+                            <a:ext uri="{FF2B5EF4-FFF2-40B4-BE49-F238E27FC236}">
+                              <a16:creationId xmlns:a16="http://schemas.microsoft.com/office/drawing/2014/main" id="{5AB97578-E6B4-46F5-AF86-1213E21D3EF6}"/>
+                            </a:ext>
+                          </a:extLst>
+                        </p:cNvPr>
+                        <p:cNvSpPr txBox="1"/>
+                        <p:nvPr/>
+                      </p:nvSpPr>
+                      <p:spPr>
+                        <a:xfrm>
+                          <a:off x="4671529" y="2292226"/>
+                          <a:ext cx="1863012" cy="307777"/>
+                        </a:xfrm>
+                        <a:prstGeom prst="rect">
+                          <a:avLst/>
+                        </a:prstGeom>
+                        <a:noFill/>
+                        <a:ln w="19050">
+                          <a:solidFill>
+                            <a:schemeClr val="tx1"/>
+                          </a:solidFill>
+                        </a:ln>
+                      </p:spPr>
+                      <p:txBody>
+                        <a:bodyPr wrap="square" rtlCol="0">
+                          <a:spAutoFit/>
+                        </a:bodyPr>
+                        <a:lstStyle/>
+                        <a:p>
+                          <a:pPr algn="ctr"/>
+                          <a:r>
+                            <a:rPr lang="es-US" sz="1400" dirty="0"/>
+                            <a:t>03_others</a:t>
+                          </a:r>
+                        </a:p>
+                      </p:txBody>
+                    </p:sp>
+                  </p:grpSp>
+                  <p:cxnSp>
+                    <p:nvCxnSpPr>
+                      <p:cNvPr id="26" name="Conector: angular 25">
+                        <a:extLst>
+                          <a:ext uri="{FF2B5EF4-FFF2-40B4-BE49-F238E27FC236}">
+                            <a16:creationId xmlns:a16="http://schemas.microsoft.com/office/drawing/2014/main" id="{528C4FF0-6421-4206-A235-2F9F531073C7}"/>
+                          </a:ext>
+                        </a:extLst>
+                      </p:cNvPr>
+                      <p:cNvCxnSpPr>
+                        <a:cxnSpLocks/>
+                        <a:stCxn id="8" idx="3"/>
+                        <a:endCxn id="11" idx="1"/>
+                      </p:cNvCxnSpPr>
+                      <p:nvPr/>
+                    </p:nvCxnSpPr>
+                    <p:spPr>
+                      <a:xfrm flipV="1">
+                        <a:off x="4379171" y="1254907"/>
+                        <a:ext cx="995268" cy="379449"/>
+                      </a:xfrm>
+                      <a:prstGeom prst="bentConnector3">
+                        <a:avLst/>
+                      </a:prstGeom>
+                      <a:ln w="19050">
+                        <a:solidFill>
+                          <a:schemeClr val="bg1">
+                            <a:lumMod val="50000"/>
+                          </a:schemeClr>
+                        </a:solidFill>
+                        <a:tailEnd type="triangle"/>
+                      </a:ln>
+                    </p:spPr>
+                    <p:style>
+                      <a:lnRef idx="1">
+                        <a:schemeClr val="accent1"/>
+                      </a:lnRef>
+                      <a:fillRef idx="0">
+                        <a:schemeClr val="accent1"/>
+                      </a:fillRef>
+                      <a:effectRef idx="0">
+                        <a:schemeClr val="accent1"/>
+                      </a:effectRef>
+                      <a:fontRef idx="minor">
+                        <a:schemeClr val="tx1"/>
+                      </a:fontRef>
+                    </p:style>
+                  </p:cxnSp>
+                  <p:cxnSp>
+                    <p:nvCxnSpPr>
+                      <p:cNvPr id="45" name="Conector: angular 44">
+                        <a:extLst>
+                          <a:ext uri="{FF2B5EF4-FFF2-40B4-BE49-F238E27FC236}">
+                            <a16:creationId xmlns:a16="http://schemas.microsoft.com/office/drawing/2014/main" id="{9D3FB32D-36DB-4BE3-A7CC-32E64417AB36}"/>
+                          </a:ext>
+                        </a:extLst>
+                      </p:cNvPr>
+                      <p:cNvCxnSpPr>
+                        <a:cxnSpLocks/>
+                        <a:stCxn id="8" idx="3"/>
+                        <a:endCxn id="13" idx="1"/>
+                      </p:cNvCxnSpPr>
+                      <p:nvPr/>
+                    </p:nvCxnSpPr>
+                    <p:spPr>
+                      <a:xfrm>
+                        <a:off x="4379171" y="1634356"/>
+                        <a:ext cx="992156" cy="373221"/>
+                      </a:xfrm>
+                      <a:prstGeom prst="bentConnector3">
+                        <a:avLst/>
+                      </a:prstGeom>
+                      <a:ln w="19050">
+                        <a:solidFill>
+                          <a:schemeClr val="bg1">
+                            <a:lumMod val="50000"/>
+                          </a:schemeClr>
+                        </a:solidFill>
+                        <a:tailEnd type="triangle"/>
+                      </a:ln>
+                    </p:spPr>
+                    <p:style>
+                      <a:lnRef idx="1">
+                        <a:schemeClr val="accent1"/>
+                      </a:lnRef>
+                      <a:fillRef idx="0">
+                        <a:schemeClr val="accent1"/>
+                      </a:fillRef>
+                      <a:effectRef idx="0">
+                        <a:schemeClr val="accent1"/>
+                      </a:effectRef>
+                      <a:fontRef idx="minor">
+                        <a:schemeClr val="tx1"/>
+                      </a:fontRef>
+                    </p:style>
+                  </p:cxnSp>
+                  <p:cxnSp>
+                    <p:nvCxnSpPr>
+                      <p:cNvPr id="49" name="Conector recto de flecha 48">
+                        <a:extLst>
+                          <a:ext uri="{FF2B5EF4-FFF2-40B4-BE49-F238E27FC236}">
+                            <a16:creationId xmlns:a16="http://schemas.microsoft.com/office/drawing/2014/main" id="{9631DB05-0D04-4C62-9273-4DCBD06CF009}"/>
+                          </a:ext>
+                        </a:extLst>
+                      </p:cNvPr>
+                      <p:cNvCxnSpPr>
+                        <a:cxnSpLocks/>
+                        <a:endCxn id="12" idx="1"/>
+                      </p:cNvCxnSpPr>
+                      <p:nvPr/>
+                    </p:nvCxnSpPr>
+                    <p:spPr>
+                      <a:xfrm>
+                        <a:off x="4814596" y="1631242"/>
+                        <a:ext cx="562951" cy="0"/>
+                      </a:xfrm>
+                      <a:prstGeom prst="straightConnector1">
+                        <a:avLst/>
+                      </a:prstGeom>
+                      <a:ln w="19050">
+                        <a:solidFill>
+                          <a:schemeClr val="bg1">
+                            <a:lumMod val="50000"/>
+                          </a:schemeClr>
+                        </a:solidFill>
+                        <a:tailEnd type="triangle"/>
+                      </a:ln>
+                    </p:spPr>
+                    <p:style>
+                      <a:lnRef idx="1">
+                        <a:schemeClr val="accent1"/>
+                      </a:lnRef>
+                      <a:fillRef idx="0">
+                        <a:schemeClr val="accent1"/>
+                      </a:fillRef>
+                      <a:effectRef idx="0">
+                        <a:schemeClr val="accent1"/>
+                      </a:effectRef>
+                      <a:fontRef idx="minor">
+                        <a:schemeClr val="tx1"/>
+                      </a:fontRef>
+                    </p:style>
+                  </p:cxnSp>
+                </p:grpSp>
+                <p:grpSp>
+                  <p:nvGrpSpPr>
+                    <p:cNvPr id="57" name="Grupo 56">
+                      <a:extLst>
+                        <a:ext uri="{FF2B5EF4-FFF2-40B4-BE49-F238E27FC236}">
+                          <a16:creationId xmlns:a16="http://schemas.microsoft.com/office/drawing/2014/main" id="{1ADE9501-864A-47B6-9001-72DDC344AE07}"/>
+                        </a:ext>
+                      </a:extLst>
+                    </p:cNvPr>
+                    <p:cNvGrpSpPr/>
+                    <p:nvPr/>
+                  </p:nvGrpSpPr>
+                  <p:grpSpPr>
+                    <a:xfrm>
+                      <a:off x="2516159" y="2522379"/>
+                      <a:ext cx="4718181" cy="1831777"/>
+                      <a:chOff x="2516159" y="2522379"/>
+                      <a:chExt cx="4718181" cy="1831777"/>
+                    </a:xfrm>
+                  </p:grpSpPr>
+                  <p:sp>
+                    <p:nvSpPr>
+                      <p:cNvPr id="9" name="CuadroTexto 8">
+                        <a:extLst>
+                          <a:ext uri="{FF2B5EF4-FFF2-40B4-BE49-F238E27FC236}">
+                            <a16:creationId xmlns:a16="http://schemas.microsoft.com/office/drawing/2014/main" id="{DEFE49A1-92FD-4B11-AAF5-C7A69E268EA0}"/>
+                          </a:ext>
+                        </a:extLst>
+                      </p:cNvPr>
+                      <p:cNvSpPr txBox="1"/>
+                      <p:nvPr/>
+                    </p:nvSpPr>
+                    <p:spPr>
+                      <a:xfrm>
+                        <a:off x="2516159" y="3281254"/>
+                        <a:ext cx="1863012" cy="307777"/>
+                      </a:xfrm>
+                      <a:prstGeom prst="rect">
+                        <a:avLst/>
+                      </a:prstGeom>
+                      <a:noFill/>
+                      <a:ln w="19050">
+                        <a:solidFill>
+                          <a:schemeClr val="tx1"/>
+                        </a:solidFill>
+                      </a:ln>
+                    </p:spPr>
+                    <p:txBody>
+                      <a:bodyPr wrap="square" rtlCol="0">
+                        <a:spAutoFit/>
+                      </a:bodyPr>
+                      <a:lstStyle/>
+                      <a:p>
+                        <a:pPr algn="ctr"/>
+                        <a:r>
+                          <a:rPr lang="es-US" sz="1400" dirty="0"/>
+                          <a:t>03_data</a:t>
+                        </a:r>
+                      </a:p>
+                    </p:txBody>
+                  </p:sp>
+                  <p:grpSp>
+                    <p:nvGrpSpPr>
+                      <p:cNvPr id="4" name="Grupo 3">
+                        <a:extLst>
+                          <a:ext uri="{FF2B5EF4-FFF2-40B4-BE49-F238E27FC236}">
+                            <a16:creationId xmlns:a16="http://schemas.microsoft.com/office/drawing/2014/main" id="{D419A1D1-A2A4-4775-9AF1-7FBF5D67ED70}"/>
+                          </a:ext>
+                        </a:extLst>
+                      </p:cNvPr>
+                      <p:cNvGrpSpPr/>
+                      <p:nvPr/>
+                    </p:nvGrpSpPr>
+                    <p:grpSpPr>
+                      <a:xfrm>
+                        <a:off x="5371326" y="2522379"/>
+                        <a:ext cx="1863014" cy="1831777"/>
+                        <a:chOff x="4848808" y="2988912"/>
+                        <a:chExt cx="1863014" cy="1831777"/>
+                      </a:xfrm>
+                    </p:grpSpPr>
+                    <p:grpSp>
+                      <p:nvGrpSpPr>
+                        <p:cNvPr id="14" name="Grupo 13">
+                          <a:extLst>
+                            <a:ext uri="{FF2B5EF4-FFF2-40B4-BE49-F238E27FC236}">
+                              <a16:creationId xmlns:a16="http://schemas.microsoft.com/office/drawing/2014/main" id="{5FE0AB95-7B40-44F0-B00E-41E0EE98FDE2}"/>
+                            </a:ext>
+                          </a:extLst>
+                        </p:cNvPr>
+                        <p:cNvGrpSpPr/>
+                        <p:nvPr/>
+                      </p:nvGrpSpPr>
+                      <p:grpSpPr>
+                        <a:xfrm>
+                          <a:off x="4848808" y="2988912"/>
+                          <a:ext cx="1863014" cy="1060447"/>
+                          <a:chOff x="4677747" y="1539556"/>
+                          <a:chExt cx="1863014" cy="1060447"/>
+                        </a:xfrm>
+                      </p:grpSpPr>
+                      <p:sp>
+                        <p:nvSpPr>
+                          <p:cNvPr id="15" name="CuadroTexto 14">
+                            <a:extLst>
+                              <a:ext uri="{FF2B5EF4-FFF2-40B4-BE49-F238E27FC236}">
+                                <a16:creationId xmlns:a16="http://schemas.microsoft.com/office/drawing/2014/main" id="{C77DD027-2154-4E50-8C1A-2B0B896E92E8}"/>
+                              </a:ext>
+                            </a:extLst>
+                          </p:cNvPr>
+                          <p:cNvSpPr txBox="1"/>
+                          <p:nvPr/>
+                        </p:nvSpPr>
+                        <p:spPr>
+                          <a:xfrm>
+                            <a:off x="4680859" y="1539556"/>
+                            <a:ext cx="1856794" cy="307777"/>
+                          </a:xfrm>
+                          <a:prstGeom prst="rect">
+                            <a:avLst/>
+                          </a:prstGeom>
+                          <a:noFill/>
+                          <a:ln w="19050">
+                            <a:solidFill>
+                              <a:schemeClr val="tx1"/>
+                            </a:solidFill>
+                          </a:ln>
+                        </p:spPr>
+                        <p:txBody>
+                          <a:bodyPr wrap="square" rtlCol="0">
+                            <a:spAutoFit/>
+                          </a:bodyPr>
+                          <a:lstStyle/>
+                          <a:p>
+                            <a:pPr algn="ctr"/>
+                            <a:r>
+                              <a:rPr lang="es-US" sz="1400" dirty="0"/>
+                              <a:t>01_raw</a:t>
+                            </a:r>
+                          </a:p>
+                        </p:txBody>
+                      </p:sp>
+                      <p:sp>
+                        <p:nvSpPr>
+                          <p:cNvPr id="16" name="CuadroTexto 15">
+                            <a:extLst>
+                              <a:ext uri="{FF2B5EF4-FFF2-40B4-BE49-F238E27FC236}">
+                                <a16:creationId xmlns:a16="http://schemas.microsoft.com/office/drawing/2014/main" id="{AE21F419-B7D2-4BA8-99CA-B1777AD4E0D4}"/>
+                              </a:ext>
+                            </a:extLst>
+                          </p:cNvPr>
+                          <p:cNvSpPr txBox="1"/>
+                          <p:nvPr/>
+                        </p:nvSpPr>
+                        <p:spPr>
+                          <a:xfrm>
+                            <a:off x="4683967" y="1915891"/>
+                            <a:ext cx="1856794" cy="307777"/>
+                          </a:xfrm>
+                          <a:prstGeom prst="rect">
+                            <a:avLst/>
+                          </a:prstGeom>
+                          <a:noFill/>
+                          <a:ln w="19050">
+                            <a:solidFill>
+                              <a:schemeClr val="tx1"/>
+                            </a:solidFill>
+                          </a:ln>
+                        </p:spPr>
+                        <p:txBody>
+                          <a:bodyPr wrap="square" rtlCol="0">
+                            <a:spAutoFit/>
+                          </a:bodyPr>
+                          <a:lstStyle/>
+                          <a:p>
+                            <a:pPr algn="ctr"/>
+                            <a:r>
+                              <a:rPr lang="es-US" sz="1400" dirty="0"/>
+                              <a:t>02_codes</a:t>
+                            </a:r>
+                          </a:p>
+                        </p:txBody>
+                      </p:sp>
+                      <p:sp>
+                        <p:nvSpPr>
+                          <p:cNvPr id="17" name="CuadroTexto 16">
+                            <a:extLst>
+                              <a:ext uri="{FF2B5EF4-FFF2-40B4-BE49-F238E27FC236}">
+                                <a16:creationId xmlns:a16="http://schemas.microsoft.com/office/drawing/2014/main" id="{52E3CB28-A1DE-4BD6-B41D-6730FE54DACD}"/>
+                              </a:ext>
+                            </a:extLst>
+                          </p:cNvPr>
+                          <p:cNvSpPr txBox="1"/>
+                          <p:nvPr/>
+                        </p:nvSpPr>
+                        <p:spPr>
+                          <a:xfrm>
+                            <a:off x="4677747" y="2292226"/>
+                            <a:ext cx="1856794" cy="307777"/>
+                          </a:xfrm>
+                          <a:prstGeom prst="rect">
+                            <a:avLst/>
+                          </a:prstGeom>
+                          <a:noFill/>
+                          <a:ln w="19050">
+                            <a:solidFill>
+                              <a:schemeClr val="tx1"/>
+                            </a:solidFill>
+                          </a:ln>
+                        </p:spPr>
+                        <p:txBody>
+                          <a:bodyPr wrap="square" rtlCol="0">
+                            <a:spAutoFit/>
+                          </a:bodyPr>
+                          <a:lstStyle/>
+                          <a:p>
+                            <a:pPr algn="ctr"/>
+                            <a:r>
+                              <a:rPr lang="es-US" sz="1400" dirty="0"/>
+                              <a:t>03_cleaned</a:t>
+                            </a:r>
+                          </a:p>
+                        </p:txBody>
+                      </p:sp>
+                    </p:grpSp>
+                    <p:sp>
+                      <p:nvSpPr>
+                        <p:cNvPr id="18" name="CuadroTexto 17">
+                          <a:extLst>
+                            <a:ext uri="{FF2B5EF4-FFF2-40B4-BE49-F238E27FC236}">
+                              <a16:creationId xmlns:a16="http://schemas.microsoft.com/office/drawing/2014/main" id="{1E3A701F-9691-43E6-B8A9-D1D04F7F0180}"/>
+                            </a:ext>
+                          </a:extLst>
+                        </p:cNvPr>
+                        <p:cNvSpPr txBox="1"/>
+                        <p:nvPr/>
+                      </p:nvSpPr>
+                      <p:spPr>
+                        <a:xfrm>
+                          <a:off x="4851918" y="4127245"/>
+                          <a:ext cx="1856794" cy="307777"/>
+                        </a:xfrm>
+                        <a:prstGeom prst="rect">
+                          <a:avLst/>
+                        </a:prstGeom>
+                        <a:noFill/>
+                        <a:ln w="19050">
+                          <a:solidFill>
+                            <a:schemeClr val="tx1"/>
+                          </a:solidFill>
+                        </a:ln>
+                      </p:spPr>
+                      <p:txBody>
+                        <a:bodyPr wrap="square" rtlCol="0">
+                          <a:spAutoFit/>
+                        </a:bodyPr>
+                        <a:lstStyle/>
+                        <a:p>
+                          <a:pPr algn="ctr"/>
+                          <a:r>
+                            <a:rPr lang="es-US" sz="1400" dirty="0"/>
+                            <a:t>04_analysis</a:t>
+                          </a:r>
+                        </a:p>
+                      </p:txBody>
+                    </p:sp>
+                    <p:sp>
+                      <p:nvSpPr>
+                        <p:cNvPr id="19" name="CuadroTexto 18">
+                          <a:extLst>
+                            <a:ext uri="{FF2B5EF4-FFF2-40B4-BE49-F238E27FC236}">
+                              <a16:creationId xmlns:a16="http://schemas.microsoft.com/office/drawing/2014/main" id="{E42BB5A8-D312-437D-971D-5C4BBE39C22E}"/>
+                            </a:ext>
+                          </a:extLst>
+                        </p:cNvPr>
+                        <p:cNvSpPr txBox="1"/>
+                        <p:nvPr/>
+                      </p:nvSpPr>
+                      <p:spPr>
+                        <a:xfrm>
+                          <a:off x="4855026" y="4512912"/>
+                          <a:ext cx="1856794" cy="307777"/>
+                        </a:xfrm>
+                        <a:prstGeom prst="rect">
+                          <a:avLst/>
+                        </a:prstGeom>
+                        <a:noFill/>
+                        <a:ln w="19050">
+                          <a:solidFill>
+                            <a:schemeClr val="tx1"/>
+                          </a:solidFill>
+                        </a:ln>
+                      </p:spPr>
+                      <p:txBody>
+                        <a:bodyPr wrap="square" rtlCol="0">
+                          <a:spAutoFit/>
+                        </a:bodyPr>
+                        <a:lstStyle/>
+                        <a:p>
+                          <a:pPr algn="ctr"/>
+                          <a:r>
+                            <a:rPr lang="es-US" sz="1400" dirty="0"/>
+                            <a:t>05_results</a:t>
+                          </a:r>
+                        </a:p>
+                      </p:txBody>
+                    </p:sp>
+                  </p:grpSp>
+                  <p:cxnSp>
+                    <p:nvCxnSpPr>
+                      <p:cNvPr id="27" name="Conector: angular 26">
+                        <a:extLst>
+                          <a:ext uri="{FF2B5EF4-FFF2-40B4-BE49-F238E27FC236}">
+                            <a16:creationId xmlns:a16="http://schemas.microsoft.com/office/drawing/2014/main" id="{E79AB42D-C173-4125-8F6F-3A70891F24BD}"/>
+                          </a:ext>
+                        </a:extLst>
+                      </p:cNvPr>
+                      <p:cNvCxnSpPr>
+                        <a:cxnSpLocks/>
+                        <a:stCxn id="9" idx="3"/>
+                        <a:endCxn id="15" idx="1"/>
+                      </p:cNvCxnSpPr>
+                      <p:nvPr/>
+                    </p:nvCxnSpPr>
+                    <p:spPr>
+                      <a:xfrm flipV="1">
+                        <a:off x="4379171" y="2676268"/>
+                        <a:ext cx="995267" cy="758875"/>
+                      </a:xfrm>
+                      <a:prstGeom prst="bentConnector3">
+                        <a:avLst/>
+                      </a:prstGeom>
+                      <a:ln w="19050">
+                        <a:solidFill>
+                          <a:schemeClr val="bg1">
+                            <a:lumMod val="50000"/>
+                          </a:schemeClr>
+                        </a:solidFill>
+                        <a:tailEnd type="triangle"/>
+                      </a:ln>
+                    </p:spPr>
+                    <p:style>
+                      <a:lnRef idx="1">
+                        <a:schemeClr val="accent1"/>
+                      </a:lnRef>
+                      <a:fillRef idx="0">
+                        <a:schemeClr val="accent1"/>
+                      </a:fillRef>
+                      <a:effectRef idx="0">
+                        <a:schemeClr val="accent1"/>
+                      </a:effectRef>
+                      <a:fontRef idx="minor">
+                        <a:schemeClr val="tx1"/>
+                      </a:fontRef>
+                    </p:style>
+                  </p:cxnSp>
+                  <p:cxnSp>
+                    <p:nvCxnSpPr>
+                      <p:cNvPr id="42" name="Conector: angular 41">
+                        <a:extLst>
+                          <a:ext uri="{FF2B5EF4-FFF2-40B4-BE49-F238E27FC236}">
+                            <a16:creationId xmlns:a16="http://schemas.microsoft.com/office/drawing/2014/main" id="{32A27DE6-1766-43FC-A364-BF3B5C8E1B6A}"/>
+                          </a:ext>
+                        </a:extLst>
+                      </p:cNvPr>
+                      <p:cNvCxnSpPr>
+                        <a:cxnSpLocks/>
+                        <a:stCxn id="9" idx="3"/>
+                        <a:endCxn id="19" idx="1"/>
+                      </p:cNvCxnSpPr>
+                      <p:nvPr/>
+                    </p:nvCxnSpPr>
+                    <p:spPr>
+                      <a:xfrm>
+                        <a:off x="4379171" y="3435143"/>
+                        <a:ext cx="998373" cy="765125"/>
+                      </a:xfrm>
+                      <a:prstGeom prst="bentConnector3">
+                        <a:avLst/>
+                      </a:prstGeom>
+                      <a:ln w="19050">
+                        <a:solidFill>
+                          <a:schemeClr val="bg1">
+                            <a:lumMod val="50000"/>
+                          </a:schemeClr>
+                        </a:solidFill>
+                        <a:tailEnd type="triangle"/>
+                      </a:ln>
+                    </p:spPr>
+                    <p:style>
+                      <a:lnRef idx="1">
+                        <a:schemeClr val="accent1"/>
+                      </a:lnRef>
+                      <a:fillRef idx="0">
+                        <a:schemeClr val="accent1"/>
+                      </a:fillRef>
+                      <a:effectRef idx="0">
+                        <a:schemeClr val="accent1"/>
+                      </a:effectRef>
+                      <a:fontRef idx="minor">
+                        <a:schemeClr val="tx1"/>
+                      </a:fontRef>
+                    </p:style>
+                  </p:cxnSp>
+                  <p:cxnSp>
+                    <p:nvCxnSpPr>
+                      <p:cNvPr id="52" name="Conector recto de flecha 51">
+                        <a:extLst>
+                          <a:ext uri="{FF2B5EF4-FFF2-40B4-BE49-F238E27FC236}">
+                            <a16:creationId xmlns:a16="http://schemas.microsoft.com/office/drawing/2014/main" id="{CE097465-4FD1-41CE-8732-901E758B1F94}"/>
+                          </a:ext>
+                        </a:extLst>
+                      </p:cNvPr>
+                      <p:cNvCxnSpPr>
+                        <a:cxnSpLocks/>
+                        <a:endCxn id="16" idx="1"/>
+                      </p:cNvCxnSpPr>
+                      <p:nvPr/>
+                    </p:nvCxnSpPr>
+                    <p:spPr>
+                      <a:xfrm>
+                        <a:off x="4870580" y="3052603"/>
+                        <a:ext cx="506966" cy="0"/>
+                      </a:xfrm>
+                      <a:prstGeom prst="straightConnector1">
+                        <a:avLst/>
+                      </a:prstGeom>
+                      <a:ln w="19050">
+                        <a:solidFill>
+                          <a:schemeClr val="bg1">
+                            <a:lumMod val="50000"/>
+                          </a:schemeClr>
+                        </a:solidFill>
+                        <a:tailEnd type="triangle"/>
+                      </a:ln>
+                    </p:spPr>
+                    <p:style>
+                      <a:lnRef idx="1">
+                        <a:schemeClr val="accent1"/>
+                      </a:lnRef>
+                      <a:fillRef idx="0">
+                        <a:schemeClr val="accent1"/>
+                      </a:fillRef>
+                      <a:effectRef idx="0">
+                        <a:schemeClr val="accent1"/>
+                      </a:effectRef>
+                      <a:fontRef idx="minor">
+                        <a:schemeClr val="tx1"/>
+                      </a:fontRef>
+                    </p:style>
+                  </p:cxnSp>
+                  <p:cxnSp>
+                    <p:nvCxnSpPr>
+                      <p:cNvPr id="55" name="Conector recto de flecha 54">
+                        <a:extLst>
+                          <a:ext uri="{FF2B5EF4-FFF2-40B4-BE49-F238E27FC236}">
+                            <a16:creationId xmlns:a16="http://schemas.microsoft.com/office/drawing/2014/main" id="{BB871480-1E9E-4195-800A-5F16A2923CCF}"/>
+                          </a:ext>
+                        </a:extLst>
+                      </p:cNvPr>
+                      <p:cNvCxnSpPr>
+                        <a:cxnSpLocks/>
+                      </p:cNvCxnSpPr>
+                      <p:nvPr/>
+                    </p:nvCxnSpPr>
+                    <p:spPr>
+                      <a:xfrm>
+                        <a:off x="4855028" y="3438270"/>
+                        <a:ext cx="506966" cy="0"/>
+                      </a:xfrm>
+                      <a:prstGeom prst="straightConnector1">
+                        <a:avLst/>
+                      </a:prstGeom>
+                      <a:ln w="19050">
+                        <a:solidFill>
+                          <a:schemeClr val="bg1">
+                            <a:lumMod val="50000"/>
+                          </a:schemeClr>
+                        </a:solidFill>
+                        <a:tailEnd type="triangle"/>
+                      </a:ln>
+                    </p:spPr>
+                    <p:style>
+                      <a:lnRef idx="1">
+                        <a:schemeClr val="accent1"/>
+                      </a:lnRef>
+                      <a:fillRef idx="0">
+                        <a:schemeClr val="accent1"/>
+                      </a:fillRef>
+                      <a:effectRef idx="0">
+                        <a:schemeClr val="accent1"/>
+                      </a:effectRef>
+                      <a:fontRef idx="minor">
+                        <a:schemeClr val="tx1"/>
+                      </a:fontRef>
+                    </p:style>
+                  </p:cxnSp>
+                  <p:cxnSp>
+                    <p:nvCxnSpPr>
+                      <p:cNvPr id="56" name="Conector recto de flecha 55">
+                        <a:extLst>
+                          <a:ext uri="{FF2B5EF4-FFF2-40B4-BE49-F238E27FC236}">
+                            <a16:creationId xmlns:a16="http://schemas.microsoft.com/office/drawing/2014/main" id="{D9A8AF2E-0F82-417B-9A5A-6ABF7C0ECD71}"/>
+                          </a:ext>
+                        </a:extLst>
+                      </p:cNvPr>
+                      <p:cNvCxnSpPr>
+                        <a:cxnSpLocks/>
+                      </p:cNvCxnSpPr>
+                      <p:nvPr/>
+                    </p:nvCxnSpPr>
+                    <p:spPr>
+                      <a:xfrm>
+                        <a:off x="4867468" y="3805276"/>
+                        <a:ext cx="506966" cy="0"/>
+                      </a:xfrm>
+                      <a:prstGeom prst="straightConnector1">
+                        <a:avLst/>
+                      </a:prstGeom>
+                      <a:ln w="19050">
+                        <a:solidFill>
+                          <a:schemeClr val="bg1">
+                            <a:lumMod val="50000"/>
+                          </a:schemeClr>
+                        </a:solidFill>
+                        <a:tailEnd type="triangle"/>
+                      </a:ln>
+                    </p:spPr>
+                    <p:style>
+                      <a:lnRef idx="1">
+                        <a:schemeClr val="accent1"/>
+                      </a:lnRef>
+                      <a:fillRef idx="0">
+                        <a:schemeClr val="accent1"/>
+                      </a:fillRef>
+                      <a:effectRef idx="0">
+                        <a:schemeClr val="accent1"/>
+                      </a:effectRef>
+                      <a:fontRef idx="minor">
+                        <a:schemeClr val="tx1"/>
+                      </a:fontRef>
+                    </p:style>
+                  </p:cxnSp>
+                </p:grpSp>
+              </p:grpSp>
               <p:sp>
                 <p:nvSpPr>
-                  <p:cNvPr id="5" name="CuadroTexto 4">
+                  <p:cNvPr id="59" name="CuadroTexto 58">
                     <a:extLst>
                       <a:ext uri="{FF2B5EF4-FFF2-40B4-BE49-F238E27FC236}">
-                        <a16:creationId xmlns:a16="http://schemas.microsoft.com/office/drawing/2014/main" id="{AB6591B6-6FB8-4E09-B031-394C46988FDF}"/>
+                        <a16:creationId xmlns:a16="http://schemas.microsoft.com/office/drawing/2014/main" id="{7481CF90-7F2E-4FE5-9BE0-6FD55080E115}"/>
                       </a:ext>
                     </a:extLst>
                   </p:cNvPr>
@@ -4025,7 +5220,7 @@
                 </p:nvSpPr>
                 <p:spPr>
                   <a:xfrm>
-                    <a:off x="2503718" y="562946"/>
+                    <a:off x="2513047" y="5816077"/>
                     <a:ext cx="1863012" cy="307777"/>
                   </a:xfrm>
                   <a:prstGeom prst="rect">
@@ -4047,174 +5242,52 @@
                     <a:pPr algn="ctr"/>
                     <a:r>
                       <a:rPr lang="es-US" sz="1400" dirty="0"/>
-                      <a:t>01_administration</a:t>
+                      <a:t>READ ME</a:t>
                     </a:r>
                   </a:p>
                 </p:txBody>
               </p:sp>
-              <p:sp>
-                <p:nvSpPr>
-                  <p:cNvPr id="10" name="CuadroTexto 9">
+            </p:grpSp>
+            <p:grpSp>
+              <p:nvGrpSpPr>
+                <p:cNvPr id="86" name="Grupo 85">
+                  <a:extLst>
+                    <a:ext uri="{FF2B5EF4-FFF2-40B4-BE49-F238E27FC236}">
+                      <a16:creationId xmlns:a16="http://schemas.microsoft.com/office/drawing/2014/main" id="{E3BAC226-77F8-49AD-8F83-8D82A6E26D26}"/>
+                    </a:ext>
+                  </a:extLst>
+                </p:cNvPr>
+                <p:cNvGrpSpPr/>
+                <p:nvPr/>
+              </p:nvGrpSpPr>
+              <p:grpSpPr>
+                <a:xfrm>
+                  <a:off x="1782147" y="716835"/>
+                  <a:ext cx="749562" cy="5253131"/>
+                  <a:chOff x="1782147" y="716835"/>
+                  <a:chExt cx="749562" cy="5253131"/>
+                </a:xfrm>
+              </p:grpSpPr>
+              <p:cxnSp>
+                <p:nvCxnSpPr>
+                  <p:cNvPr id="76" name="Conector: angular 75">
                     <a:extLst>
                       <a:ext uri="{FF2B5EF4-FFF2-40B4-BE49-F238E27FC236}">
-                        <a16:creationId xmlns:a16="http://schemas.microsoft.com/office/drawing/2014/main" id="{39B7A338-C537-4596-A731-8BCC66E4C005}"/>
-                      </a:ext>
-                    </a:extLst>
-                  </p:cNvPr>
-                  <p:cNvSpPr txBox="1"/>
-                  <p:nvPr/>
-                </p:nvSpPr>
-                <p:spPr>
-                  <a:xfrm>
-                    <a:off x="2509937" y="4898567"/>
-                    <a:ext cx="1863012" cy="307777"/>
-                  </a:xfrm>
-                  <a:prstGeom prst="rect">
-                    <a:avLst/>
-                  </a:prstGeom>
-                  <a:noFill/>
-                  <a:ln w="19050">
-                    <a:solidFill>
-                      <a:schemeClr val="tx1"/>
-                    </a:solidFill>
-                  </a:ln>
-                </p:spPr>
-                <p:txBody>
-                  <a:bodyPr wrap="square" rtlCol="0">
-                    <a:spAutoFit/>
-                  </a:bodyPr>
-                  <a:lstStyle/>
-                  <a:p>
-                    <a:pPr algn="ctr"/>
-                    <a:r>
-                      <a:rPr lang="es-US" sz="1400" dirty="0"/>
-                      <a:t>04_dissemination</a:t>
-                    </a:r>
-                  </a:p>
-                </p:txBody>
-              </p:sp>
-              <p:grpSp>
-                <p:nvGrpSpPr>
-                  <p:cNvPr id="21" name="Grupo 20">
-                    <a:extLst>
-                      <a:ext uri="{FF2B5EF4-FFF2-40B4-BE49-F238E27FC236}">
-                        <a16:creationId xmlns:a16="http://schemas.microsoft.com/office/drawing/2014/main" id="{595F1A7E-49B2-4B71-8E1E-72C4983A2F2F}"/>
-                      </a:ext>
-                    </a:extLst>
-                  </p:cNvPr>
-                  <p:cNvGrpSpPr/>
-                  <p:nvPr/>
-                </p:nvGrpSpPr>
-                <p:grpSpPr>
-                  <a:xfrm>
-                    <a:off x="5377550" y="4743066"/>
-                    <a:ext cx="1866120" cy="684112"/>
-                    <a:chOff x="4674641" y="1539556"/>
-                    <a:chExt cx="1866120" cy="684112"/>
-                  </a:xfrm>
-                </p:grpSpPr>
-                <p:sp>
-                  <p:nvSpPr>
-                    <p:cNvPr id="22" name="CuadroTexto 21">
-                      <a:extLst>
-                        <a:ext uri="{FF2B5EF4-FFF2-40B4-BE49-F238E27FC236}">
-                          <a16:creationId xmlns:a16="http://schemas.microsoft.com/office/drawing/2014/main" id="{0055A6FE-913C-4642-AA29-CD324A5C133B}"/>
-                        </a:ext>
-                      </a:extLst>
-                    </p:cNvPr>
-                    <p:cNvSpPr txBox="1"/>
-                    <p:nvPr/>
-                  </p:nvSpPr>
-                  <p:spPr>
-                    <a:xfrm>
-                      <a:off x="4674641" y="1539556"/>
-                      <a:ext cx="1863012" cy="307777"/>
-                    </a:xfrm>
-                    <a:prstGeom prst="rect">
-                      <a:avLst/>
-                    </a:prstGeom>
-                    <a:noFill/>
-                    <a:ln w="19050">
-                      <a:solidFill>
-                        <a:schemeClr val="tx1"/>
-                      </a:solidFill>
-                    </a:ln>
-                  </p:spPr>
-                  <p:txBody>
-                    <a:bodyPr wrap="square" rtlCol="0">
-                      <a:spAutoFit/>
-                    </a:bodyPr>
-                    <a:lstStyle/>
-                    <a:p>
-                      <a:pPr algn="ctr"/>
-                      <a:r>
-                        <a:rPr lang="es-US" sz="1400" dirty="0"/>
-                        <a:t>01_presentations</a:t>
-                      </a:r>
-                    </a:p>
-                  </p:txBody>
-                </p:sp>
-                <p:sp>
-                  <p:nvSpPr>
-                    <p:cNvPr id="23" name="CuadroTexto 22">
-                      <a:extLst>
-                        <a:ext uri="{FF2B5EF4-FFF2-40B4-BE49-F238E27FC236}">
-                          <a16:creationId xmlns:a16="http://schemas.microsoft.com/office/drawing/2014/main" id="{60806B70-1E1F-4713-AC56-EEC48ED37257}"/>
-                        </a:ext>
-                      </a:extLst>
-                    </p:cNvPr>
-                    <p:cNvSpPr txBox="1"/>
-                    <p:nvPr/>
-                  </p:nvSpPr>
-                  <p:spPr>
-                    <a:xfrm>
-                      <a:off x="4677749" y="1915891"/>
-                      <a:ext cx="1863012" cy="307777"/>
-                    </a:xfrm>
-                    <a:prstGeom prst="rect">
-                      <a:avLst/>
-                    </a:prstGeom>
-                    <a:noFill/>
-                    <a:ln w="19050">
-                      <a:solidFill>
-                        <a:schemeClr val="tx1"/>
-                      </a:solidFill>
-                    </a:ln>
-                  </p:spPr>
-                  <p:txBody>
-                    <a:bodyPr wrap="square" rtlCol="0">
-                      <a:spAutoFit/>
-                    </a:bodyPr>
-                    <a:lstStyle/>
-                    <a:p>
-                      <a:pPr algn="ctr"/>
-                      <a:r>
-                        <a:rPr lang="es-US" sz="1400" dirty="0"/>
-                        <a:t>02_publication</a:t>
-                      </a:r>
-                    </a:p>
-                  </p:txBody>
-                </p:sp>
-              </p:grpSp>
-              <p:cxnSp>
-                <p:nvCxnSpPr>
-                  <p:cNvPr id="29" name="Conector: angular 28">
-                    <a:extLst>
-                      <a:ext uri="{FF2B5EF4-FFF2-40B4-BE49-F238E27FC236}">
-                        <a16:creationId xmlns:a16="http://schemas.microsoft.com/office/drawing/2014/main" id="{6358A109-D502-4313-A3F2-0DFD51872FAF}"/>
+                        <a16:creationId xmlns:a16="http://schemas.microsoft.com/office/drawing/2014/main" id="{DC666519-076F-4F47-9617-4A9CB79975EE}"/>
                       </a:ext>
                     </a:extLst>
                   </p:cNvPr>
                   <p:cNvCxnSpPr>
                     <a:cxnSpLocks/>
-                    <a:endCxn id="22" idx="1"/>
+                    <a:stCxn id="2" idx="3"/>
+                    <a:endCxn id="5" idx="1"/>
                   </p:cNvCxnSpPr>
                   <p:nvPr/>
                 </p:nvCxnSpPr>
                 <p:spPr>
                   <a:xfrm flipV="1">
-                    <a:off x="4366729" y="4896955"/>
-                    <a:ext cx="1010821" cy="167954"/>
+                    <a:off x="1782147" y="716835"/>
+                    <a:ext cx="721571" cy="2698514"/>
                   </a:xfrm>
                   <a:prstGeom prst="bentConnector3">
                     <a:avLst/>
@@ -4245,28 +5318,25 @@
               </p:cxnSp>
               <p:cxnSp>
                 <p:nvCxnSpPr>
-                  <p:cNvPr id="32" name="Conector: angular 31">
+                  <p:cNvPr id="77" name="Conector: angular 76">
                     <a:extLst>
                       <a:ext uri="{FF2B5EF4-FFF2-40B4-BE49-F238E27FC236}">
-                        <a16:creationId xmlns:a16="http://schemas.microsoft.com/office/drawing/2014/main" id="{A00B69B3-0454-461A-A627-206E556CA0D1}"/>
+                        <a16:creationId xmlns:a16="http://schemas.microsoft.com/office/drawing/2014/main" id="{0FE92B18-478A-4736-B9A3-B8EBA54111CE}"/>
                       </a:ext>
                     </a:extLst>
                   </p:cNvPr>
                   <p:cNvCxnSpPr>
                     <a:cxnSpLocks/>
-                    <a:endCxn id="23" idx="1"/>
                   </p:cNvCxnSpPr>
                   <p:nvPr/>
                 </p:nvCxnSpPr>
                 <p:spPr>
-                  <a:xfrm>
-                    <a:off x="4397832" y="5068019"/>
-                    <a:ext cx="982826" cy="205271"/>
+                  <a:xfrm rot="16200000" flipH="1">
+                    <a:off x="1052067" y="4490324"/>
+                    <a:ext cx="2573620" cy="385664"/>
                   </a:xfrm>
-                  <a:prstGeom prst="bentConnector3">
-                    <a:avLst>
-                      <a:gd name="adj1" fmla="val 48102"/>
-                    </a:avLst>
+                  <a:prstGeom prst="bentConnector2">
+                    <a:avLst/>
                   </a:prstGeom>
                   <a:ln w="19050">
                     <a:solidFill>
@@ -4292,984 +5362,73 @@
                   </a:fontRef>
                 </p:style>
               </p:cxnSp>
-              <p:grpSp>
-                <p:nvGrpSpPr>
-                  <p:cNvPr id="51" name="Grupo 50">
+              <p:cxnSp>
+                <p:nvCxnSpPr>
+                  <p:cNvPr id="81" name="Conector recto de flecha 80">
                     <a:extLst>
                       <a:ext uri="{FF2B5EF4-FFF2-40B4-BE49-F238E27FC236}">
-                        <a16:creationId xmlns:a16="http://schemas.microsoft.com/office/drawing/2014/main" id="{6AD25E75-DE90-4808-8392-AE094EF60B76}"/>
+                        <a16:creationId xmlns:a16="http://schemas.microsoft.com/office/drawing/2014/main" id="{9B4730DE-C432-4E94-B9E5-6A4C8CC88C11}"/>
                       </a:ext>
                     </a:extLst>
                   </p:cNvPr>
-                  <p:cNvGrpSpPr/>
+                  <p:cNvCxnSpPr>
+                    <a:cxnSpLocks/>
+                  </p:cNvCxnSpPr>
                   <p:nvPr/>
-                </p:nvGrpSpPr>
-                <p:grpSpPr>
+                </p:nvCxnSpPr>
+                <p:spPr>
                   <a:xfrm>
-                    <a:off x="2516159" y="1101018"/>
-                    <a:ext cx="4724400" cy="1060447"/>
-                    <a:chOff x="2516159" y="1101018"/>
-                    <a:chExt cx="4724400" cy="1060447"/>
+                    <a:off x="2146041" y="1653012"/>
+                    <a:ext cx="379448" cy="0"/>
                   </a:xfrm>
-                </p:grpSpPr>
-                <p:sp>
-                  <p:nvSpPr>
-                    <p:cNvPr id="8" name="CuadroTexto 7">
-                      <a:extLst>
-                        <a:ext uri="{FF2B5EF4-FFF2-40B4-BE49-F238E27FC236}">
-                          <a16:creationId xmlns:a16="http://schemas.microsoft.com/office/drawing/2014/main" id="{6F0C3CE2-4558-42C1-8131-2644FD77C9CA}"/>
-                        </a:ext>
-                      </a:extLst>
-                    </p:cNvPr>
-                    <p:cNvSpPr txBox="1"/>
-                    <p:nvPr/>
-                  </p:nvSpPr>
-                  <p:spPr>
-                    <a:xfrm>
-                      <a:off x="2516159" y="1480467"/>
-                      <a:ext cx="1863012" cy="307777"/>
-                    </a:xfrm>
-                    <a:prstGeom prst="rect">
-                      <a:avLst/>
-                    </a:prstGeom>
-                    <a:noFill/>
-                    <a:ln w="19050">
-                      <a:solidFill>
-                        <a:schemeClr val="tx1"/>
-                      </a:solidFill>
-                    </a:ln>
-                  </p:spPr>
-                  <p:txBody>
-                    <a:bodyPr wrap="square" rtlCol="0">
-                      <a:spAutoFit/>
-                    </a:bodyPr>
-                    <a:lstStyle/>
-                    <a:p>
-                      <a:pPr algn="ctr"/>
-                      <a:r>
-                        <a:rPr lang="es-US" sz="1400" dirty="0"/>
-                        <a:t>02_literature</a:t>
-                      </a:r>
-                    </a:p>
-                  </p:txBody>
-                </p:sp>
-                <p:grpSp>
-                  <p:nvGrpSpPr>
-                    <p:cNvPr id="3" name="Grupo 2">
-                      <a:extLst>
-                        <a:ext uri="{FF2B5EF4-FFF2-40B4-BE49-F238E27FC236}">
-                          <a16:creationId xmlns:a16="http://schemas.microsoft.com/office/drawing/2014/main" id="{5F2979CA-1DCF-4916-AE72-2871A5925990}"/>
-                        </a:ext>
-                      </a:extLst>
-                    </p:cNvPr>
-                    <p:cNvGrpSpPr/>
-                    <p:nvPr/>
-                  </p:nvGrpSpPr>
-                  <p:grpSpPr>
-                    <a:xfrm>
-                      <a:off x="5371327" y="1101018"/>
-                      <a:ext cx="1869232" cy="1060447"/>
-                      <a:chOff x="4671529" y="1539556"/>
-                      <a:chExt cx="1869232" cy="1060447"/>
-                    </a:xfrm>
-                  </p:grpSpPr>
-                  <p:sp>
-                    <p:nvSpPr>
-                      <p:cNvPr id="11" name="CuadroTexto 10">
-                        <a:extLst>
-                          <a:ext uri="{FF2B5EF4-FFF2-40B4-BE49-F238E27FC236}">
-                            <a16:creationId xmlns:a16="http://schemas.microsoft.com/office/drawing/2014/main" id="{9C3362C3-6395-44DA-BDDD-33E38D631FB9}"/>
-                          </a:ext>
-                        </a:extLst>
-                      </p:cNvPr>
-                      <p:cNvSpPr txBox="1"/>
-                      <p:nvPr/>
-                    </p:nvSpPr>
-                    <p:spPr>
-                      <a:xfrm>
-                        <a:off x="4674641" y="1539556"/>
-                        <a:ext cx="1863012" cy="307777"/>
-                      </a:xfrm>
-                      <a:prstGeom prst="rect">
-                        <a:avLst/>
-                      </a:prstGeom>
-                      <a:noFill/>
-                      <a:ln w="19050">
-                        <a:solidFill>
-                          <a:schemeClr val="tx1"/>
-                        </a:solidFill>
-                      </a:ln>
-                    </p:spPr>
-                    <p:txBody>
-                      <a:bodyPr wrap="square" rtlCol="0">
-                        <a:spAutoFit/>
-                      </a:bodyPr>
-                      <a:lstStyle/>
-                      <a:p>
-                        <a:pPr algn="ctr"/>
-                        <a:r>
-                          <a:rPr lang="es-US" sz="1400" dirty="0"/>
-                          <a:t>01_books</a:t>
-                        </a:r>
-                      </a:p>
-                    </p:txBody>
-                  </p:sp>
-                  <p:sp>
-                    <p:nvSpPr>
-                      <p:cNvPr id="12" name="CuadroTexto 11">
-                        <a:extLst>
-                          <a:ext uri="{FF2B5EF4-FFF2-40B4-BE49-F238E27FC236}">
-                            <a16:creationId xmlns:a16="http://schemas.microsoft.com/office/drawing/2014/main" id="{914031F4-DE75-42BC-A12C-4371F4C0FF6E}"/>
-                          </a:ext>
-                        </a:extLst>
-                      </p:cNvPr>
-                      <p:cNvSpPr txBox="1"/>
-                      <p:nvPr/>
-                    </p:nvSpPr>
-                    <p:spPr>
-                      <a:xfrm>
-                        <a:off x="4677749" y="1915891"/>
-                        <a:ext cx="1863012" cy="307777"/>
-                      </a:xfrm>
-                      <a:prstGeom prst="rect">
-                        <a:avLst/>
-                      </a:prstGeom>
-                      <a:noFill/>
-                      <a:ln w="19050">
-                        <a:solidFill>
-                          <a:schemeClr val="tx1"/>
-                        </a:solidFill>
-                      </a:ln>
-                    </p:spPr>
-                    <p:txBody>
-                      <a:bodyPr wrap="square" rtlCol="0">
-                        <a:spAutoFit/>
-                      </a:bodyPr>
-                      <a:lstStyle/>
-                      <a:p>
-                        <a:pPr algn="ctr"/>
-                        <a:r>
-                          <a:rPr lang="es-US" sz="1400" dirty="0"/>
-                          <a:t>02_papers</a:t>
-                        </a:r>
-                      </a:p>
-                    </p:txBody>
-                  </p:sp>
-                  <p:sp>
-                    <p:nvSpPr>
-                      <p:cNvPr id="13" name="CuadroTexto 12">
-                        <a:extLst>
-                          <a:ext uri="{FF2B5EF4-FFF2-40B4-BE49-F238E27FC236}">
-                            <a16:creationId xmlns:a16="http://schemas.microsoft.com/office/drawing/2014/main" id="{5AB97578-E6B4-46F5-AF86-1213E21D3EF6}"/>
-                          </a:ext>
-                        </a:extLst>
-                      </p:cNvPr>
-                      <p:cNvSpPr txBox="1"/>
-                      <p:nvPr/>
-                    </p:nvSpPr>
-                    <p:spPr>
-                      <a:xfrm>
-                        <a:off x="4671529" y="2292226"/>
-                        <a:ext cx="1863012" cy="307777"/>
-                      </a:xfrm>
-                      <a:prstGeom prst="rect">
-                        <a:avLst/>
-                      </a:prstGeom>
-                      <a:noFill/>
-                      <a:ln w="19050">
-                        <a:solidFill>
-                          <a:schemeClr val="tx1"/>
-                        </a:solidFill>
-                      </a:ln>
-                    </p:spPr>
-                    <p:txBody>
-                      <a:bodyPr wrap="square" rtlCol="0">
-                        <a:spAutoFit/>
-                      </a:bodyPr>
-                      <a:lstStyle/>
-                      <a:p>
-                        <a:pPr algn="ctr"/>
-                        <a:r>
-                          <a:rPr lang="es-US" sz="1400" dirty="0"/>
-                          <a:t>03_others</a:t>
-                        </a:r>
-                      </a:p>
-                    </p:txBody>
-                  </p:sp>
-                </p:grpSp>
-                <p:cxnSp>
-                  <p:nvCxnSpPr>
-                    <p:cNvPr id="26" name="Conector: angular 25">
-                      <a:extLst>
-                        <a:ext uri="{FF2B5EF4-FFF2-40B4-BE49-F238E27FC236}">
-                          <a16:creationId xmlns:a16="http://schemas.microsoft.com/office/drawing/2014/main" id="{528C4FF0-6421-4206-A235-2F9F531073C7}"/>
-                        </a:ext>
-                      </a:extLst>
-                    </p:cNvPr>
-                    <p:cNvCxnSpPr>
-                      <a:cxnSpLocks/>
-                      <a:stCxn id="8" idx="3"/>
-                      <a:endCxn id="11" idx="1"/>
-                    </p:cNvCxnSpPr>
-                    <p:nvPr/>
-                  </p:nvCxnSpPr>
-                  <p:spPr>
-                    <a:xfrm flipV="1">
-                      <a:off x="4379171" y="1254907"/>
-                      <a:ext cx="995268" cy="379449"/>
-                    </a:xfrm>
-                    <a:prstGeom prst="bentConnector3">
-                      <a:avLst/>
-                    </a:prstGeom>
-                    <a:ln w="19050">
-                      <a:solidFill>
-                        <a:schemeClr val="bg1">
-                          <a:lumMod val="50000"/>
-                        </a:schemeClr>
-                      </a:solidFill>
-                      <a:tailEnd type="triangle"/>
-                    </a:ln>
-                  </p:spPr>
-                  <p:style>
-                    <a:lnRef idx="1">
-                      <a:schemeClr val="accent1"/>
-                    </a:lnRef>
-                    <a:fillRef idx="0">
-                      <a:schemeClr val="accent1"/>
-                    </a:fillRef>
-                    <a:effectRef idx="0">
-                      <a:schemeClr val="accent1"/>
-                    </a:effectRef>
-                    <a:fontRef idx="minor">
-                      <a:schemeClr val="tx1"/>
-                    </a:fontRef>
-                  </p:style>
-                </p:cxnSp>
-                <p:cxnSp>
-                  <p:nvCxnSpPr>
-                    <p:cNvPr id="45" name="Conector: angular 44">
-                      <a:extLst>
-                        <a:ext uri="{FF2B5EF4-FFF2-40B4-BE49-F238E27FC236}">
-                          <a16:creationId xmlns:a16="http://schemas.microsoft.com/office/drawing/2014/main" id="{9D3FB32D-36DB-4BE3-A7CC-32E64417AB36}"/>
-                        </a:ext>
-                      </a:extLst>
-                    </p:cNvPr>
-                    <p:cNvCxnSpPr>
-                      <a:cxnSpLocks/>
-                      <a:stCxn id="8" idx="3"/>
-                      <a:endCxn id="13" idx="1"/>
-                    </p:cNvCxnSpPr>
-                    <p:nvPr/>
-                  </p:nvCxnSpPr>
-                  <p:spPr>
-                    <a:xfrm>
-                      <a:off x="4379171" y="1634356"/>
-                      <a:ext cx="992156" cy="373221"/>
-                    </a:xfrm>
-                    <a:prstGeom prst="bentConnector3">
-                      <a:avLst/>
-                    </a:prstGeom>
-                    <a:ln w="19050">
-                      <a:solidFill>
-                        <a:schemeClr val="bg1">
-                          <a:lumMod val="50000"/>
-                        </a:schemeClr>
-                      </a:solidFill>
-                      <a:tailEnd type="triangle"/>
-                    </a:ln>
-                  </p:spPr>
-                  <p:style>
-                    <a:lnRef idx="1">
-                      <a:schemeClr val="accent1"/>
-                    </a:lnRef>
-                    <a:fillRef idx="0">
-                      <a:schemeClr val="accent1"/>
-                    </a:fillRef>
-                    <a:effectRef idx="0">
-                      <a:schemeClr val="accent1"/>
-                    </a:effectRef>
-                    <a:fontRef idx="minor">
-                      <a:schemeClr val="tx1"/>
-                    </a:fontRef>
-                  </p:style>
-                </p:cxnSp>
-                <p:cxnSp>
-                  <p:nvCxnSpPr>
-                    <p:cNvPr id="49" name="Conector recto de flecha 48">
-                      <a:extLst>
-                        <a:ext uri="{FF2B5EF4-FFF2-40B4-BE49-F238E27FC236}">
-                          <a16:creationId xmlns:a16="http://schemas.microsoft.com/office/drawing/2014/main" id="{9631DB05-0D04-4C62-9273-4DCBD06CF009}"/>
-                        </a:ext>
-                      </a:extLst>
-                    </p:cNvPr>
-                    <p:cNvCxnSpPr>
-                      <a:cxnSpLocks/>
-                      <a:endCxn id="12" idx="1"/>
-                    </p:cNvCxnSpPr>
-                    <p:nvPr/>
-                  </p:nvCxnSpPr>
-                  <p:spPr>
-                    <a:xfrm>
-                      <a:off x="4814596" y="1631242"/>
-                      <a:ext cx="562951" cy="0"/>
-                    </a:xfrm>
-                    <a:prstGeom prst="straightConnector1">
-                      <a:avLst/>
-                    </a:prstGeom>
-                    <a:ln w="19050">
-                      <a:solidFill>
-                        <a:schemeClr val="bg1">
-                          <a:lumMod val="50000"/>
-                        </a:schemeClr>
-                      </a:solidFill>
-                      <a:tailEnd type="triangle"/>
-                    </a:ln>
-                  </p:spPr>
-                  <p:style>
-                    <a:lnRef idx="1">
-                      <a:schemeClr val="accent1"/>
-                    </a:lnRef>
-                    <a:fillRef idx="0">
-                      <a:schemeClr val="accent1"/>
-                    </a:fillRef>
-                    <a:effectRef idx="0">
-                      <a:schemeClr val="accent1"/>
-                    </a:effectRef>
-                    <a:fontRef idx="minor">
-                      <a:schemeClr val="tx1"/>
-                    </a:fontRef>
-                  </p:style>
-                </p:cxnSp>
-              </p:grpSp>
-              <p:grpSp>
-                <p:nvGrpSpPr>
-                  <p:cNvPr id="57" name="Grupo 56">
-                    <a:extLst>
-                      <a:ext uri="{FF2B5EF4-FFF2-40B4-BE49-F238E27FC236}">
-                        <a16:creationId xmlns:a16="http://schemas.microsoft.com/office/drawing/2014/main" id="{1ADE9501-864A-47B6-9001-72DDC344AE07}"/>
-                      </a:ext>
-                    </a:extLst>
-                  </p:cNvPr>
-                  <p:cNvGrpSpPr/>
-                  <p:nvPr/>
-                </p:nvGrpSpPr>
-                <p:grpSpPr>
-                  <a:xfrm>
-                    <a:off x="2516159" y="2522379"/>
-                    <a:ext cx="4718181" cy="1831777"/>
-                    <a:chOff x="2516159" y="2522379"/>
-                    <a:chExt cx="4718181" cy="1831777"/>
-                  </a:xfrm>
-                </p:grpSpPr>
-                <p:sp>
-                  <p:nvSpPr>
-                    <p:cNvPr id="9" name="CuadroTexto 8">
-                      <a:extLst>
-                        <a:ext uri="{FF2B5EF4-FFF2-40B4-BE49-F238E27FC236}">
-                          <a16:creationId xmlns:a16="http://schemas.microsoft.com/office/drawing/2014/main" id="{DEFE49A1-92FD-4B11-AAF5-C7A69E268EA0}"/>
-                        </a:ext>
-                      </a:extLst>
-                    </p:cNvPr>
-                    <p:cNvSpPr txBox="1"/>
-                    <p:nvPr/>
-                  </p:nvSpPr>
-                  <p:spPr>
-                    <a:xfrm>
-                      <a:off x="2516159" y="3281254"/>
-                      <a:ext cx="1863012" cy="307777"/>
-                    </a:xfrm>
-                    <a:prstGeom prst="rect">
-                      <a:avLst/>
-                    </a:prstGeom>
-                    <a:noFill/>
-                    <a:ln w="19050">
-                      <a:solidFill>
-                        <a:schemeClr val="tx1"/>
-                      </a:solidFill>
-                    </a:ln>
-                  </p:spPr>
-                  <p:txBody>
-                    <a:bodyPr wrap="square" rtlCol="0">
-                      <a:spAutoFit/>
-                    </a:bodyPr>
-                    <a:lstStyle/>
-                    <a:p>
-                      <a:pPr algn="ctr"/>
-                      <a:r>
-                        <a:rPr lang="es-US" sz="1400" dirty="0"/>
-                        <a:t>03_data</a:t>
-                      </a:r>
-                    </a:p>
-                  </p:txBody>
-                </p:sp>
-                <p:grpSp>
-                  <p:nvGrpSpPr>
-                    <p:cNvPr id="4" name="Grupo 3">
-                      <a:extLst>
-                        <a:ext uri="{FF2B5EF4-FFF2-40B4-BE49-F238E27FC236}">
-                          <a16:creationId xmlns:a16="http://schemas.microsoft.com/office/drawing/2014/main" id="{D419A1D1-A2A4-4775-9AF1-7FBF5D67ED70}"/>
-                        </a:ext>
-                      </a:extLst>
-                    </p:cNvPr>
-                    <p:cNvGrpSpPr/>
-                    <p:nvPr/>
-                  </p:nvGrpSpPr>
-                  <p:grpSpPr>
-                    <a:xfrm>
-                      <a:off x="5371326" y="2522379"/>
-                      <a:ext cx="1863014" cy="1831777"/>
-                      <a:chOff x="4848808" y="2988912"/>
-                      <a:chExt cx="1863014" cy="1831777"/>
-                    </a:xfrm>
-                  </p:grpSpPr>
-                  <p:grpSp>
-                    <p:nvGrpSpPr>
-                      <p:cNvPr id="14" name="Grupo 13">
-                        <a:extLst>
-                          <a:ext uri="{FF2B5EF4-FFF2-40B4-BE49-F238E27FC236}">
-                            <a16:creationId xmlns:a16="http://schemas.microsoft.com/office/drawing/2014/main" id="{5FE0AB95-7B40-44F0-B00E-41E0EE98FDE2}"/>
-                          </a:ext>
-                        </a:extLst>
-                      </p:cNvPr>
-                      <p:cNvGrpSpPr/>
-                      <p:nvPr/>
-                    </p:nvGrpSpPr>
-                    <p:grpSpPr>
-                      <a:xfrm>
-                        <a:off x="4848808" y="2988912"/>
-                        <a:ext cx="1863014" cy="1060447"/>
-                        <a:chOff x="4677747" y="1539556"/>
-                        <a:chExt cx="1863014" cy="1060447"/>
-                      </a:xfrm>
-                    </p:grpSpPr>
-                    <p:sp>
-                      <p:nvSpPr>
-                        <p:cNvPr id="15" name="CuadroTexto 14">
-                          <a:extLst>
-                            <a:ext uri="{FF2B5EF4-FFF2-40B4-BE49-F238E27FC236}">
-                              <a16:creationId xmlns:a16="http://schemas.microsoft.com/office/drawing/2014/main" id="{C77DD027-2154-4E50-8C1A-2B0B896E92E8}"/>
-                            </a:ext>
-                          </a:extLst>
-                        </p:cNvPr>
-                        <p:cNvSpPr txBox="1"/>
-                        <p:nvPr/>
-                      </p:nvSpPr>
-                      <p:spPr>
-                        <a:xfrm>
-                          <a:off x="4680859" y="1539556"/>
-                          <a:ext cx="1856794" cy="307777"/>
-                        </a:xfrm>
-                        <a:prstGeom prst="rect">
-                          <a:avLst/>
-                        </a:prstGeom>
-                        <a:noFill/>
-                        <a:ln w="19050">
-                          <a:solidFill>
-                            <a:schemeClr val="tx1"/>
-                          </a:solidFill>
-                        </a:ln>
-                      </p:spPr>
-                      <p:txBody>
-                        <a:bodyPr wrap="square" rtlCol="0">
-                          <a:spAutoFit/>
-                        </a:bodyPr>
-                        <a:lstStyle/>
-                        <a:p>
-                          <a:pPr algn="ctr"/>
-                          <a:r>
-                            <a:rPr lang="es-US" sz="1400" dirty="0"/>
-                            <a:t>01_raw</a:t>
-                          </a:r>
-                        </a:p>
-                      </p:txBody>
-                    </p:sp>
-                    <p:sp>
-                      <p:nvSpPr>
-                        <p:cNvPr id="16" name="CuadroTexto 15">
-                          <a:extLst>
-                            <a:ext uri="{FF2B5EF4-FFF2-40B4-BE49-F238E27FC236}">
-                              <a16:creationId xmlns:a16="http://schemas.microsoft.com/office/drawing/2014/main" id="{AE21F419-B7D2-4BA8-99CA-B1777AD4E0D4}"/>
-                            </a:ext>
-                          </a:extLst>
-                        </p:cNvPr>
-                        <p:cNvSpPr txBox="1"/>
-                        <p:nvPr/>
-                      </p:nvSpPr>
-                      <p:spPr>
-                        <a:xfrm>
-                          <a:off x="4683967" y="1915891"/>
-                          <a:ext cx="1856794" cy="307777"/>
-                        </a:xfrm>
-                        <a:prstGeom prst="rect">
-                          <a:avLst/>
-                        </a:prstGeom>
-                        <a:noFill/>
-                        <a:ln w="19050">
-                          <a:solidFill>
-                            <a:schemeClr val="tx1"/>
-                          </a:solidFill>
-                        </a:ln>
-                      </p:spPr>
-                      <p:txBody>
-                        <a:bodyPr wrap="square" rtlCol="0">
-                          <a:spAutoFit/>
-                        </a:bodyPr>
-                        <a:lstStyle/>
-                        <a:p>
-                          <a:pPr algn="ctr"/>
-                          <a:r>
-                            <a:rPr lang="es-US" sz="1400" dirty="0"/>
-                            <a:t>02_codes</a:t>
-                          </a:r>
-                        </a:p>
-                      </p:txBody>
-                    </p:sp>
-                    <p:sp>
-                      <p:nvSpPr>
-                        <p:cNvPr id="17" name="CuadroTexto 16">
-                          <a:extLst>
-                            <a:ext uri="{FF2B5EF4-FFF2-40B4-BE49-F238E27FC236}">
-                              <a16:creationId xmlns:a16="http://schemas.microsoft.com/office/drawing/2014/main" id="{52E3CB28-A1DE-4BD6-B41D-6730FE54DACD}"/>
-                            </a:ext>
-                          </a:extLst>
-                        </p:cNvPr>
-                        <p:cNvSpPr txBox="1"/>
-                        <p:nvPr/>
-                      </p:nvSpPr>
-                      <p:spPr>
-                        <a:xfrm>
-                          <a:off x="4677747" y="2292226"/>
-                          <a:ext cx="1856794" cy="307777"/>
-                        </a:xfrm>
-                        <a:prstGeom prst="rect">
-                          <a:avLst/>
-                        </a:prstGeom>
-                        <a:noFill/>
-                        <a:ln w="19050">
-                          <a:solidFill>
-                            <a:schemeClr val="tx1"/>
-                          </a:solidFill>
-                        </a:ln>
-                      </p:spPr>
-                      <p:txBody>
-                        <a:bodyPr wrap="square" rtlCol="0">
-                          <a:spAutoFit/>
-                        </a:bodyPr>
-                        <a:lstStyle/>
-                        <a:p>
-                          <a:pPr algn="ctr"/>
-                          <a:r>
-                            <a:rPr lang="es-US" sz="1400" dirty="0"/>
-                            <a:t>03_cleaned</a:t>
-                          </a:r>
-                        </a:p>
-                      </p:txBody>
-                    </p:sp>
-                  </p:grpSp>
-                  <p:sp>
-                    <p:nvSpPr>
-                      <p:cNvPr id="18" name="CuadroTexto 17">
-                        <a:extLst>
-                          <a:ext uri="{FF2B5EF4-FFF2-40B4-BE49-F238E27FC236}">
-                            <a16:creationId xmlns:a16="http://schemas.microsoft.com/office/drawing/2014/main" id="{1E3A701F-9691-43E6-B8A9-D1D04F7F0180}"/>
-                          </a:ext>
-                        </a:extLst>
-                      </p:cNvPr>
-                      <p:cNvSpPr txBox="1"/>
-                      <p:nvPr/>
-                    </p:nvSpPr>
-                    <p:spPr>
-                      <a:xfrm>
-                        <a:off x="4851918" y="4127245"/>
-                        <a:ext cx="1856794" cy="307777"/>
-                      </a:xfrm>
-                      <a:prstGeom prst="rect">
-                        <a:avLst/>
-                      </a:prstGeom>
-                      <a:noFill/>
-                      <a:ln w="19050">
-                        <a:solidFill>
-                          <a:schemeClr val="tx1"/>
-                        </a:solidFill>
-                      </a:ln>
-                    </p:spPr>
-                    <p:txBody>
-                      <a:bodyPr wrap="square" rtlCol="0">
-                        <a:spAutoFit/>
-                      </a:bodyPr>
-                      <a:lstStyle/>
-                      <a:p>
-                        <a:pPr algn="ctr"/>
-                        <a:r>
-                          <a:rPr lang="es-US" sz="1400" dirty="0"/>
-                          <a:t>04_analysis</a:t>
-                        </a:r>
-                      </a:p>
-                    </p:txBody>
-                  </p:sp>
-                  <p:sp>
-                    <p:nvSpPr>
-                      <p:cNvPr id="19" name="CuadroTexto 18">
-                        <a:extLst>
-                          <a:ext uri="{FF2B5EF4-FFF2-40B4-BE49-F238E27FC236}">
-                            <a16:creationId xmlns:a16="http://schemas.microsoft.com/office/drawing/2014/main" id="{E42BB5A8-D312-437D-971D-5C4BBE39C22E}"/>
-                          </a:ext>
-                        </a:extLst>
-                      </p:cNvPr>
-                      <p:cNvSpPr txBox="1"/>
-                      <p:nvPr/>
-                    </p:nvSpPr>
-                    <p:spPr>
-                      <a:xfrm>
-                        <a:off x="4855026" y="4512912"/>
-                        <a:ext cx="1856794" cy="307777"/>
-                      </a:xfrm>
-                      <a:prstGeom prst="rect">
-                        <a:avLst/>
-                      </a:prstGeom>
-                      <a:noFill/>
-                      <a:ln w="19050">
-                        <a:solidFill>
-                          <a:schemeClr val="tx1"/>
-                        </a:solidFill>
-                      </a:ln>
-                    </p:spPr>
-                    <p:txBody>
-                      <a:bodyPr wrap="square" rtlCol="0">
-                        <a:spAutoFit/>
-                      </a:bodyPr>
-                      <a:lstStyle/>
-                      <a:p>
-                        <a:pPr algn="ctr"/>
-                        <a:r>
-                          <a:rPr lang="es-US" sz="1400" dirty="0"/>
-                          <a:t>05_results</a:t>
-                        </a:r>
-                      </a:p>
-                    </p:txBody>
-                  </p:sp>
-                </p:grpSp>
-                <p:cxnSp>
-                  <p:nvCxnSpPr>
-                    <p:cNvPr id="27" name="Conector: angular 26">
-                      <a:extLst>
-                        <a:ext uri="{FF2B5EF4-FFF2-40B4-BE49-F238E27FC236}">
-                          <a16:creationId xmlns:a16="http://schemas.microsoft.com/office/drawing/2014/main" id="{E79AB42D-C173-4125-8F6F-3A70891F24BD}"/>
-                        </a:ext>
-                      </a:extLst>
-                    </p:cNvPr>
-                    <p:cNvCxnSpPr>
-                      <a:cxnSpLocks/>
-                      <a:stCxn id="9" idx="3"/>
-                      <a:endCxn id="15" idx="1"/>
-                    </p:cNvCxnSpPr>
-                    <p:nvPr/>
-                  </p:nvCxnSpPr>
-                  <p:spPr>
-                    <a:xfrm flipV="1">
-                      <a:off x="4379171" y="2676268"/>
-                      <a:ext cx="995267" cy="758875"/>
-                    </a:xfrm>
-                    <a:prstGeom prst="bentConnector3">
-                      <a:avLst/>
-                    </a:prstGeom>
-                    <a:ln w="19050">
-                      <a:solidFill>
-                        <a:schemeClr val="bg1">
-                          <a:lumMod val="50000"/>
-                        </a:schemeClr>
-                      </a:solidFill>
-                      <a:tailEnd type="triangle"/>
-                    </a:ln>
-                  </p:spPr>
-                  <p:style>
-                    <a:lnRef idx="1">
-                      <a:schemeClr val="accent1"/>
-                    </a:lnRef>
-                    <a:fillRef idx="0">
-                      <a:schemeClr val="accent1"/>
-                    </a:fillRef>
-                    <a:effectRef idx="0">
-                      <a:schemeClr val="accent1"/>
-                    </a:effectRef>
-                    <a:fontRef idx="minor">
-                      <a:schemeClr val="tx1"/>
-                    </a:fontRef>
-                  </p:style>
-                </p:cxnSp>
-                <p:cxnSp>
-                  <p:nvCxnSpPr>
-                    <p:cNvPr id="42" name="Conector: angular 41">
-                      <a:extLst>
-                        <a:ext uri="{FF2B5EF4-FFF2-40B4-BE49-F238E27FC236}">
-                          <a16:creationId xmlns:a16="http://schemas.microsoft.com/office/drawing/2014/main" id="{32A27DE6-1766-43FC-A364-BF3B5C8E1B6A}"/>
-                        </a:ext>
-                      </a:extLst>
-                    </p:cNvPr>
-                    <p:cNvCxnSpPr>
-                      <a:cxnSpLocks/>
-                      <a:stCxn id="9" idx="3"/>
-                      <a:endCxn id="19" idx="1"/>
-                    </p:cNvCxnSpPr>
-                    <p:nvPr/>
-                  </p:nvCxnSpPr>
-                  <p:spPr>
-                    <a:xfrm>
-                      <a:off x="4379171" y="3435143"/>
-                      <a:ext cx="998373" cy="765125"/>
-                    </a:xfrm>
-                    <a:prstGeom prst="bentConnector3">
-                      <a:avLst/>
-                    </a:prstGeom>
-                    <a:ln w="19050">
-                      <a:solidFill>
-                        <a:schemeClr val="bg1">
-                          <a:lumMod val="50000"/>
-                        </a:schemeClr>
-                      </a:solidFill>
-                      <a:tailEnd type="triangle"/>
-                    </a:ln>
-                  </p:spPr>
-                  <p:style>
-                    <a:lnRef idx="1">
-                      <a:schemeClr val="accent1"/>
-                    </a:lnRef>
-                    <a:fillRef idx="0">
-                      <a:schemeClr val="accent1"/>
-                    </a:fillRef>
-                    <a:effectRef idx="0">
-                      <a:schemeClr val="accent1"/>
-                    </a:effectRef>
-                    <a:fontRef idx="minor">
-                      <a:schemeClr val="tx1"/>
-                    </a:fontRef>
-                  </p:style>
-                </p:cxnSp>
-                <p:cxnSp>
-                  <p:nvCxnSpPr>
-                    <p:cNvPr id="52" name="Conector recto de flecha 51">
-                      <a:extLst>
-                        <a:ext uri="{FF2B5EF4-FFF2-40B4-BE49-F238E27FC236}">
-                          <a16:creationId xmlns:a16="http://schemas.microsoft.com/office/drawing/2014/main" id="{CE097465-4FD1-41CE-8732-901E758B1F94}"/>
-                        </a:ext>
-                      </a:extLst>
-                    </p:cNvPr>
-                    <p:cNvCxnSpPr>
-                      <a:cxnSpLocks/>
-                      <a:endCxn id="16" idx="1"/>
-                    </p:cNvCxnSpPr>
-                    <p:nvPr/>
-                  </p:nvCxnSpPr>
-                  <p:spPr>
-                    <a:xfrm>
-                      <a:off x="4870580" y="3052603"/>
-                      <a:ext cx="506966" cy="0"/>
-                    </a:xfrm>
-                    <a:prstGeom prst="straightConnector1">
-                      <a:avLst/>
-                    </a:prstGeom>
-                    <a:ln w="19050">
-                      <a:solidFill>
-                        <a:schemeClr val="bg1">
-                          <a:lumMod val="50000"/>
-                        </a:schemeClr>
-                      </a:solidFill>
-                      <a:tailEnd type="triangle"/>
-                    </a:ln>
-                  </p:spPr>
-                  <p:style>
-                    <a:lnRef idx="1">
-                      <a:schemeClr val="accent1"/>
-                    </a:lnRef>
-                    <a:fillRef idx="0">
-                      <a:schemeClr val="accent1"/>
-                    </a:fillRef>
-                    <a:effectRef idx="0">
-                      <a:schemeClr val="accent1"/>
-                    </a:effectRef>
-                    <a:fontRef idx="minor">
-                      <a:schemeClr val="tx1"/>
-                    </a:fontRef>
-                  </p:style>
-                </p:cxnSp>
-                <p:cxnSp>
-                  <p:nvCxnSpPr>
-                    <p:cNvPr id="55" name="Conector recto de flecha 54">
-                      <a:extLst>
-                        <a:ext uri="{FF2B5EF4-FFF2-40B4-BE49-F238E27FC236}">
-                          <a16:creationId xmlns:a16="http://schemas.microsoft.com/office/drawing/2014/main" id="{BB871480-1E9E-4195-800A-5F16A2923CCF}"/>
-                        </a:ext>
-                      </a:extLst>
-                    </p:cNvPr>
-                    <p:cNvCxnSpPr>
-                      <a:cxnSpLocks/>
-                    </p:cNvCxnSpPr>
-                    <p:nvPr/>
-                  </p:nvCxnSpPr>
-                  <p:spPr>
-                    <a:xfrm>
-                      <a:off x="4855028" y="3438270"/>
-                      <a:ext cx="506966" cy="0"/>
-                    </a:xfrm>
-                    <a:prstGeom prst="straightConnector1">
-                      <a:avLst/>
-                    </a:prstGeom>
-                    <a:ln w="19050">
-                      <a:solidFill>
-                        <a:schemeClr val="bg1">
-                          <a:lumMod val="50000"/>
-                        </a:schemeClr>
-                      </a:solidFill>
-                      <a:tailEnd type="triangle"/>
-                    </a:ln>
-                  </p:spPr>
-                  <p:style>
-                    <a:lnRef idx="1">
-                      <a:schemeClr val="accent1"/>
-                    </a:lnRef>
-                    <a:fillRef idx="0">
-                      <a:schemeClr val="accent1"/>
-                    </a:fillRef>
-                    <a:effectRef idx="0">
-                      <a:schemeClr val="accent1"/>
-                    </a:effectRef>
-                    <a:fontRef idx="minor">
-                      <a:schemeClr val="tx1"/>
-                    </a:fontRef>
-                  </p:style>
-                </p:cxnSp>
-                <p:cxnSp>
-                  <p:nvCxnSpPr>
-                    <p:cNvPr id="56" name="Conector recto de flecha 55">
-                      <a:extLst>
-                        <a:ext uri="{FF2B5EF4-FFF2-40B4-BE49-F238E27FC236}">
-                          <a16:creationId xmlns:a16="http://schemas.microsoft.com/office/drawing/2014/main" id="{D9A8AF2E-0F82-417B-9A5A-6ABF7C0ECD71}"/>
-                        </a:ext>
-                      </a:extLst>
-                    </p:cNvPr>
-                    <p:cNvCxnSpPr>
-                      <a:cxnSpLocks/>
-                    </p:cNvCxnSpPr>
-                    <p:nvPr/>
-                  </p:nvCxnSpPr>
-                  <p:spPr>
-                    <a:xfrm>
-                      <a:off x="4867468" y="3805276"/>
-                      <a:ext cx="506966" cy="0"/>
-                    </a:xfrm>
-                    <a:prstGeom prst="straightConnector1">
-                      <a:avLst/>
-                    </a:prstGeom>
-                    <a:ln w="19050">
-                      <a:solidFill>
-                        <a:schemeClr val="bg1">
-                          <a:lumMod val="50000"/>
-                        </a:schemeClr>
-                      </a:solidFill>
-                      <a:tailEnd type="triangle"/>
-                    </a:ln>
-                  </p:spPr>
-                  <p:style>
-                    <a:lnRef idx="1">
-                      <a:schemeClr val="accent1"/>
-                    </a:lnRef>
-                    <a:fillRef idx="0">
-                      <a:schemeClr val="accent1"/>
-                    </a:fillRef>
-                    <a:effectRef idx="0">
-                      <a:schemeClr val="accent1"/>
-                    </a:effectRef>
-                    <a:fontRef idx="minor">
-                      <a:schemeClr val="tx1"/>
-                    </a:fontRef>
-                  </p:style>
-                </p:cxnSp>
-              </p:grpSp>
+                  <a:prstGeom prst="straightConnector1">
+                    <a:avLst/>
+                  </a:prstGeom>
+                  <a:ln w="19050">
+                    <a:solidFill>
+                      <a:schemeClr val="bg1">
+                        <a:lumMod val="50000"/>
+                      </a:schemeClr>
+                    </a:solidFill>
+                    <a:tailEnd type="triangle"/>
+                  </a:ln>
+                </p:spPr>
+                <p:style>
+                  <a:lnRef idx="1">
+                    <a:schemeClr val="accent1"/>
+                  </a:lnRef>
+                  <a:fillRef idx="0">
+                    <a:schemeClr val="accent1"/>
+                  </a:fillRef>
+                  <a:effectRef idx="0">
+                    <a:schemeClr val="accent1"/>
+                  </a:effectRef>
+                  <a:fontRef idx="minor">
+                    <a:schemeClr val="tx1"/>
+                  </a:fontRef>
+                </p:style>
+              </p:cxnSp>
             </p:grpSp>
-            <p:sp>
-              <p:nvSpPr>
-                <p:cNvPr id="59" name="CuadroTexto 58">
+            <p:cxnSp>
+              <p:nvCxnSpPr>
+                <p:cNvPr id="87" name="Conector recto de flecha 86">
                   <a:extLst>
                     <a:ext uri="{FF2B5EF4-FFF2-40B4-BE49-F238E27FC236}">
-                      <a16:creationId xmlns:a16="http://schemas.microsoft.com/office/drawing/2014/main" id="{7481CF90-7F2E-4FE5-9BE0-6FD55080E115}"/>
-                    </a:ext>
-                  </a:extLst>
-                </p:cNvPr>
-                <p:cNvSpPr txBox="1"/>
-                <p:nvPr/>
-              </p:nvSpPr>
-              <p:spPr>
-                <a:xfrm>
-                  <a:off x="2513047" y="5816077"/>
-                  <a:ext cx="1863012" cy="307777"/>
-                </a:xfrm>
-                <a:prstGeom prst="rect">
-                  <a:avLst/>
-                </a:prstGeom>
-                <a:noFill/>
-                <a:ln w="19050">
-                  <a:solidFill>
-                    <a:schemeClr val="tx1"/>
-                  </a:solidFill>
-                </a:ln>
-              </p:spPr>
-              <p:txBody>
-                <a:bodyPr wrap="square" rtlCol="0">
-                  <a:spAutoFit/>
-                </a:bodyPr>
-                <a:lstStyle/>
-                <a:p>
-                  <a:pPr algn="ctr"/>
-                  <a:r>
-                    <a:rPr lang="es-US" sz="1400" dirty="0"/>
-                    <a:t>READ ME</a:t>
-                  </a:r>
-                </a:p>
-              </p:txBody>
-            </p:sp>
-          </p:grpSp>
-          <p:grpSp>
-            <p:nvGrpSpPr>
-              <p:cNvPr id="86" name="Grupo 85">
-                <a:extLst>
-                  <a:ext uri="{FF2B5EF4-FFF2-40B4-BE49-F238E27FC236}">
-                    <a16:creationId xmlns:a16="http://schemas.microsoft.com/office/drawing/2014/main" id="{E3BAC226-77F8-49AD-8F83-8D82A6E26D26}"/>
-                  </a:ext>
-                </a:extLst>
-              </p:cNvPr>
-              <p:cNvGrpSpPr/>
-              <p:nvPr/>
-            </p:nvGrpSpPr>
-            <p:grpSpPr>
-              <a:xfrm>
-                <a:off x="1782147" y="716835"/>
-                <a:ext cx="749562" cy="5253131"/>
-                <a:chOff x="1782147" y="716835"/>
-                <a:chExt cx="749562" cy="5253131"/>
-              </a:xfrm>
-            </p:grpSpPr>
-            <p:cxnSp>
-              <p:nvCxnSpPr>
-                <p:cNvPr id="76" name="Conector: angular 75">
-                  <a:extLst>
-                    <a:ext uri="{FF2B5EF4-FFF2-40B4-BE49-F238E27FC236}">
-                      <a16:creationId xmlns:a16="http://schemas.microsoft.com/office/drawing/2014/main" id="{DC666519-076F-4F47-9617-4A9CB79975EE}"/>
+                      <a16:creationId xmlns:a16="http://schemas.microsoft.com/office/drawing/2014/main" id="{9D538A02-42BE-481F-9368-FC3C017086A1}"/>
                     </a:ext>
                   </a:extLst>
                 </p:cNvPr>
                 <p:cNvCxnSpPr>
                   <a:cxnSpLocks/>
-                  <a:stCxn id="2" idx="3"/>
-                  <a:endCxn id="5" idx="1"/>
                 </p:cNvCxnSpPr>
                 <p:nvPr/>
               </p:nvCxnSpPr>
               <p:spPr>
-                <a:xfrm flipV="1">
-                  <a:off x="1782147" y="716835"/>
-                  <a:ext cx="721571" cy="2698514"/>
+                <a:xfrm>
+                  <a:off x="2158480" y="3419607"/>
+                  <a:ext cx="379448" cy="0"/>
                 </a:xfrm>
-                <a:prstGeom prst="bentConnector3">
+                <a:prstGeom prst="straightConnector1">
                   <a:avLst/>
                 </a:prstGeom>
                 <a:ln w="19050">
@@ -5298,56 +5457,10 @@
             </p:cxnSp>
             <p:cxnSp>
               <p:nvCxnSpPr>
-                <p:cNvPr id="77" name="Conector: angular 76">
+                <p:cNvPr id="88" name="Conector recto de flecha 87">
                   <a:extLst>
                     <a:ext uri="{FF2B5EF4-FFF2-40B4-BE49-F238E27FC236}">
-                      <a16:creationId xmlns:a16="http://schemas.microsoft.com/office/drawing/2014/main" id="{0FE92B18-478A-4736-B9A3-B8EBA54111CE}"/>
-                    </a:ext>
-                  </a:extLst>
-                </p:cNvPr>
-                <p:cNvCxnSpPr>
-                  <a:cxnSpLocks/>
-                </p:cNvCxnSpPr>
-                <p:nvPr/>
-              </p:nvCxnSpPr>
-              <p:spPr>
-                <a:xfrm rot="16200000" flipH="1">
-                  <a:off x="1052067" y="4490324"/>
-                  <a:ext cx="2573620" cy="385664"/>
-                </a:xfrm>
-                <a:prstGeom prst="bentConnector2">
-                  <a:avLst/>
-                </a:prstGeom>
-                <a:ln w="19050">
-                  <a:solidFill>
-                    <a:schemeClr val="bg1">
-                      <a:lumMod val="50000"/>
-                    </a:schemeClr>
-                  </a:solidFill>
-                  <a:tailEnd type="triangle"/>
-                </a:ln>
-              </p:spPr>
-              <p:style>
-                <a:lnRef idx="1">
-                  <a:schemeClr val="accent1"/>
-                </a:lnRef>
-                <a:fillRef idx="0">
-                  <a:schemeClr val="accent1"/>
-                </a:fillRef>
-                <a:effectRef idx="0">
-                  <a:schemeClr val="accent1"/>
-                </a:effectRef>
-                <a:fontRef idx="minor">
-                  <a:schemeClr val="tx1"/>
-                </a:fontRef>
-              </p:style>
-            </p:cxnSp>
-            <p:cxnSp>
-              <p:nvCxnSpPr>
-                <p:cNvPr id="81" name="Conector recto de flecha 80">
-                  <a:extLst>
-                    <a:ext uri="{FF2B5EF4-FFF2-40B4-BE49-F238E27FC236}">
-                      <a16:creationId xmlns:a16="http://schemas.microsoft.com/office/drawing/2014/main" id="{9B4730DE-C432-4E94-B9E5-6A4C8CC88C11}"/>
+                      <a16:creationId xmlns:a16="http://schemas.microsoft.com/office/drawing/2014/main" id="{423DD881-57CC-4766-A722-8A09E3CD4D41}"/>
                     </a:ext>
                   </a:extLst>
                 </p:cNvPr>
@@ -5358,7 +5471,7 @@
               </p:nvCxnSpPr>
               <p:spPr>
                 <a:xfrm>
-                  <a:off x="2146041" y="1653012"/>
+                  <a:off x="2133597" y="5046246"/>
                   <a:ext cx="379448" cy="0"/>
                 </a:xfrm>
                 <a:prstGeom prst="straightConnector1">
@@ -5389,149 +5502,390 @@
               </p:style>
             </p:cxnSp>
           </p:grpSp>
-          <p:cxnSp>
-            <p:nvCxnSpPr>
-              <p:cNvPr id="87" name="Conector recto de flecha 86">
+          <p:sp>
+            <p:nvSpPr>
+              <p:cNvPr id="90" name="Rectángulo 89">
                 <a:extLst>
                   <a:ext uri="{FF2B5EF4-FFF2-40B4-BE49-F238E27FC236}">
-                    <a16:creationId xmlns:a16="http://schemas.microsoft.com/office/drawing/2014/main" id="{9D538A02-42BE-481F-9368-FC3C017086A1}"/>
+                    <a16:creationId xmlns:a16="http://schemas.microsoft.com/office/drawing/2014/main" id="{4E16CA6B-DE26-412B-8F81-0296228B4B50}"/>
                   </a:ext>
                 </a:extLst>
               </p:cNvPr>
-              <p:cNvCxnSpPr>
-                <a:cxnSpLocks/>
-              </p:cNvCxnSpPr>
+              <p:cNvSpPr/>
               <p:nvPr/>
-            </p:nvCxnSpPr>
+            </p:nvSpPr>
             <p:spPr>
               <a:xfrm>
-                <a:off x="2158480" y="3419607"/>
-                <a:ext cx="379448" cy="0"/>
+                <a:off x="1670180" y="83976"/>
+                <a:ext cx="9647853" cy="6662057"/>
               </a:xfrm>
-              <a:prstGeom prst="straightConnector1">
+              <a:prstGeom prst="rect">
                 <a:avLst/>
               </a:prstGeom>
-              <a:ln w="19050">
-                <a:solidFill>
-                  <a:schemeClr val="bg1">
-                    <a:lumMod val="50000"/>
-                  </a:schemeClr>
-                </a:solidFill>
-                <a:tailEnd type="triangle"/>
+              <a:noFill/>
+              <a:ln>
+                <a:noFill/>
               </a:ln>
             </p:spPr>
             <p:style>
-              <a:lnRef idx="1">
-                <a:schemeClr val="accent1"/>
+              <a:lnRef idx="2">
+                <a:schemeClr val="accent1">
+                  <a:shade val="50000"/>
+                </a:schemeClr>
               </a:lnRef>
-              <a:fillRef idx="0">
+              <a:fillRef idx="1">
                 <a:schemeClr val="accent1"/>
               </a:fillRef>
               <a:effectRef idx="0">
                 <a:schemeClr val="accent1"/>
               </a:effectRef>
               <a:fontRef idx="minor">
-                <a:schemeClr val="tx1"/>
+                <a:schemeClr val="lt1"/>
               </a:fontRef>
             </p:style>
-          </p:cxnSp>
-          <p:cxnSp>
-            <p:nvCxnSpPr>
-              <p:cNvPr id="88" name="Conector recto de flecha 87">
+            <p:txBody>
+              <a:bodyPr rtlCol="0" anchor="ctr"/>
+              <a:lstStyle/>
+              <a:p>
+                <a:pPr algn="ctr"/>
+                <a:endParaRPr lang="es-PE"/>
+              </a:p>
+            </p:txBody>
+          </p:sp>
+        </p:grpSp>
+        <p:grpSp>
+          <p:nvGrpSpPr>
+            <p:cNvPr id="53" name="Group 52">
+              <a:extLst>
+                <a:ext uri="{FF2B5EF4-FFF2-40B4-BE49-F238E27FC236}">
+                  <a16:creationId xmlns:a16="http://schemas.microsoft.com/office/drawing/2014/main" id="{614A2599-8AD4-4CE5-8791-718FA15A0528}"/>
+                </a:ext>
+              </a:extLst>
+            </p:cNvPr>
+            <p:cNvGrpSpPr/>
+            <p:nvPr/>
+          </p:nvGrpSpPr>
+          <p:grpSpPr>
+            <a:xfrm>
+              <a:off x="8108923" y="3517642"/>
+              <a:ext cx="2503099" cy="704017"/>
+              <a:chOff x="8108923" y="3517642"/>
+              <a:chExt cx="2503099" cy="704017"/>
+            </a:xfrm>
+          </p:grpSpPr>
+          <p:sp>
+            <p:nvSpPr>
+              <p:cNvPr id="46" name="CuadroTexto 17">
                 <a:extLst>
                   <a:ext uri="{FF2B5EF4-FFF2-40B4-BE49-F238E27FC236}">
-                    <a16:creationId xmlns:a16="http://schemas.microsoft.com/office/drawing/2014/main" id="{423DD881-57CC-4766-A722-8A09E3CD4D41}"/>
+                    <a16:creationId xmlns:a16="http://schemas.microsoft.com/office/drawing/2014/main" id="{556858AC-674F-44E1-ABF2-4060404E182C}"/>
                   </a:ext>
                 </a:extLst>
               </p:cNvPr>
-              <p:cNvCxnSpPr>
-                <a:cxnSpLocks/>
-              </p:cNvCxnSpPr>
+              <p:cNvSpPr txBox="1"/>
               <p:nvPr/>
-            </p:nvCxnSpPr>
+            </p:nvSpPr>
             <p:spPr>
               <a:xfrm>
-                <a:off x="2133597" y="5046246"/>
-                <a:ext cx="379448" cy="0"/>
+                <a:off x="8750874" y="3517642"/>
+                <a:ext cx="1856794" cy="307777"/>
               </a:xfrm>
-              <a:prstGeom prst="straightConnector1">
+              <a:prstGeom prst="rect">
                 <a:avLst/>
               </a:prstGeom>
+              <a:noFill/>
               <a:ln w="19050">
                 <a:solidFill>
-                  <a:schemeClr val="bg1">
-                    <a:lumMod val="50000"/>
-                  </a:schemeClr>
+                  <a:schemeClr val="tx1"/>
                 </a:solidFill>
-                <a:tailEnd type="triangle"/>
               </a:ln>
             </p:spPr>
-            <p:style>
-              <a:lnRef idx="1">
-                <a:schemeClr val="accent1"/>
-              </a:lnRef>
-              <a:fillRef idx="0">
-                <a:schemeClr val="accent1"/>
-              </a:fillRef>
-              <a:effectRef idx="0">
-                <a:schemeClr val="accent1"/>
-              </a:effectRef>
-              <a:fontRef idx="minor">
-                <a:schemeClr val="tx1"/>
-              </a:fontRef>
-            </p:style>
-          </p:cxnSp>
+            <p:txBody>
+              <a:bodyPr wrap="square" rtlCol="0">
+                <a:spAutoFit/>
+              </a:bodyPr>
+              <a:lstStyle/>
+              <a:p>
+                <a:pPr algn="ctr"/>
+                <a:r>
+                  <a:rPr lang="es-US" sz="1400" dirty="0"/>
+                  <a:t>01_tables</a:t>
+                </a:r>
+              </a:p>
+            </p:txBody>
+          </p:sp>
+          <p:sp>
+            <p:nvSpPr>
+              <p:cNvPr id="47" name="CuadroTexto 17">
+                <a:extLst>
+                  <a:ext uri="{FF2B5EF4-FFF2-40B4-BE49-F238E27FC236}">
+                    <a16:creationId xmlns:a16="http://schemas.microsoft.com/office/drawing/2014/main" id="{03488B70-F546-447F-BF01-43DB5046F9DA}"/>
+                  </a:ext>
+                </a:extLst>
+              </p:cNvPr>
+              <p:cNvSpPr txBox="1"/>
+              <p:nvPr/>
+            </p:nvSpPr>
+            <p:spPr>
+              <a:xfrm>
+                <a:off x="8755228" y="3913882"/>
+                <a:ext cx="1856794" cy="307777"/>
+              </a:xfrm>
+              <a:prstGeom prst="rect">
+                <a:avLst/>
+              </a:prstGeom>
+              <a:noFill/>
+              <a:ln w="19050">
+                <a:solidFill>
+                  <a:schemeClr val="tx1"/>
+                </a:solidFill>
+              </a:ln>
+            </p:spPr>
+            <p:txBody>
+              <a:bodyPr wrap="square" rtlCol="0">
+                <a:spAutoFit/>
+              </a:bodyPr>
+              <a:lstStyle/>
+              <a:p>
+                <a:pPr algn="ctr"/>
+                <a:r>
+                  <a:rPr lang="es-US" sz="1400" dirty="0"/>
+                  <a:t>02_graphs</a:t>
+                </a:r>
+              </a:p>
+            </p:txBody>
+          </p:sp>
+          <p:grpSp>
+            <p:nvGrpSpPr>
+              <p:cNvPr id="38" name="Group 37">
+                <a:extLst>
+                  <a:ext uri="{FF2B5EF4-FFF2-40B4-BE49-F238E27FC236}">
+                    <a16:creationId xmlns:a16="http://schemas.microsoft.com/office/drawing/2014/main" id="{525A2622-D00C-46CC-8FE1-8A0556C30132}"/>
+                  </a:ext>
+                </a:extLst>
+              </p:cNvPr>
+              <p:cNvGrpSpPr/>
+              <p:nvPr/>
+            </p:nvGrpSpPr>
+            <p:grpSpPr>
+              <a:xfrm>
+                <a:off x="8108923" y="3671531"/>
+                <a:ext cx="646305" cy="404080"/>
+                <a:chOff x="8108923" y="3671531"/>
+                <a:chExt cx="646305" cy="404080"/>
+              </a:xfrm>
+            </p:grpSpPr>
+            <p:grpSp>
+              <p:nvGrpSpPr>
+                <p:cNvPr id="33" name="Group 32">
+                  <a:extLst>
+                    <a:ext uri="{FF2B5EF4-FFF2-40B4-BE49-F238E27FC236}">
+                      <a16:creationId xmlns:a16="http://schemas.microsoft.com/office/drawing/2014/main" id="{1BFADFD9-E8F4-46F8-8C79-B32AED039B56}"/>
+                    </a:ext>
+                  </a:extLst>
+                </p:cNvPr>
+                <p:cNvGrpSpPr/>
+                <p:nvPr/>
+              </p:nvGrpSpPr>
+              <p:grpSpPr>
+                <a:xfrm>
+                  <a:off x="8108923" y="3683726"/>
+                  <a:ext cx="303557" cy="391885"/>
+                  <a:chOff x="8108923" y="3683726"/>
+                  <a:chExt cx="303557" cy="391885"/>
+                </a:xfrm>
+              </p:grpSpPr>
+              <p:cxnSp>
+                <p:nvCxnSpPr>
+                  <p:cNvPr id="48" name="Conector recto de flecha 55">
+                    <a:extLst>
+                      <a:ext uri="{FF2B5EF4-FFF2-40B4-BE49-F238E27FC236}">
+                        <a16:creationId xmlns:a16="http://schemas.microsoft.com/office/drawing/2014/main" id="{075235E0-7F2A-45C0-B3C8-5CDDEA6F0783}"/>
+                      </a:ext>
+                    </a:extLst>
+                  </p:cNvPr>
+                  <p:cNvCxnSpPr>
+                    <a:cxnSpLocks/>
+                  </p:cNvCxnSpPr>
+                  <p:nvPr/>
+                </p:nvCxnSpPr>
+                <p:spPr>
+                  <a:xfrm>
+                    <a:off x="8108923" y="3866858"/>
+                    <a:ext cx="303557" cy="0"/>
+                  </a:xfrm>
+                  <a:prstGeom prst="straightConnector1">
+                    <a:avLst/>
+                  </a:prstGeom>
+                  <a:ln w="19050">
+                    <a:solidFill>
+                      <a:schemeClr val="bg1">
+                        <a:lumMod val="50000"/>
+                      </a:schemeClr>
+                    </a:solidFill>
+                    <a:headEnd type="none" w="med" len="med"/>
+                    <a:tailEnd type="none" w="med" len="med"/>
+                  </a:ln>
+                </p:spPr>
+                <p:style>
+                  <a:lnRef idx="1">
+                    <a:schemeClr val="accent1"/>
+                  </a:lnRef>
+                  <a:fillRef idx="0">
+                    <a:schemeClr val="accent1"/>
+                  </a:fillRef>
+                  <a:effectRef idx="0">
+                    <a:schemeClr val="accent1"/>
+                  </a:effectRef>
+                  <a:fontRef idx="minor">
+                    <a:schemeClr val="tx1"/>
+                  </a:fontRef>
+                </p:style>
+              </p:cxnSp>
+              <p:cxnSp>
+                <p:nvCxnSpPr>
+                  <p:cNvPr id="50" name="Conector recto de flecha 55">
+                    <a:extLst>
+                      <a:ext uri="{FF2B5EF4-FFF2-40B4-BE49-F238E27FC236}">
+                        <a16:creationId xmlns:a16="http://schemas.microsoft.com/office/drawing/2014/main" id="{EFB2E031-A30D-4861-961B-A1F0AD448EA1}"/>
+                      </a:ext>
+                    </a:extLst>
+                  </p:cNvPr>
+                  <p:cNvCxnSpPr>
+                    <a:cxnSpLocks/>
+                  </p:cNvCxnSpPr>
+                  <p:nvPr/>
+                </p:nvCxnSpPr>
+                <p:spPr>
+                  <a:xfrm flipV="1">
+                    <a:off x="8409365" y="3683726"/>
+                    <a:ext cx="0" cy="391885"/>
+                  </a:xfrm>
+                  <a:prstGeom prst="straightConnector1">
+                    <a:avLst/>
+                  </a:prstGeom>
+                  <a:ln w="19050">
+                    <a:solidFill>
+                      <a:schemeClr val="bg1">
+                        <a:lumMod val="50000"/>
+                      </a:schemeClr>
+                    </a:solidFill>
+                    <a:headEnd type="none" w="med" len="med"/>
+                    <a:tailEnd type="none" w="med" len="med"/>
+                  </a:ln>
+                </p:spPr>
+                <p:style>
+                  <a:lnRef idx="1">
+                    <a:schemeClr val="accent1"/>
+                  </a:lnRef>
+                  <a:fillRef idx="0">
+                    <a:schemeClr val="accent1"/>
+                  </a:fillRef>
+                  <a:effectRef idx="0">
+                    <a:schemeClr val="accent1"/>
+                  </a:effectRef>
+                  <a:fontRef idx="minor">
+                    <a:schemeClr val="tx1"/>
+                  </a:fontRef>
+                </p:style>
+              </p:cxnSp>
+            </p:grpSp>
+            <p:cxnSp>
+              <p:nvCxnSpPr>
+                <p:cNvPr id="64" name="Conector recto de flecha 48">
+                  <a:extLst>
+                    <a:ext uri="{FF2B5EF4-FFF2-40B4-BE49-F238E27FC236}">
+                      <a16:creationId xmlns:a16="http://schemas.microsoft.com/office/drawing/2014/main" id="{CFB8FBE8-9B2E-491B-83B0-701CDD35091D}"/>
+                    </a:ext>
+                  </a:extLst>
+                </p:cNvPr>
+                <p:cNvCxnSpPr>
+                  <a:cxnSpLocks/>
+                  <a:endCxn id="46" idx="1"/>
+                </p:cNvCxnSpPr>
+                <p:nvPr/>
+              </p:nvCxnSpPr>
+              <p:spPr>
+                <a:xfrm>
+                  <a:off x="8403771" y="3671531"/>
+                  <a:ext cx="347103" cy="0"/>
+                </a:xfrm>
+                <a:prstGeom prst="straightConnector1">
+                  <a:avLst/>
+                </a:prstGeom>
+                <a:ln w="19050">
+                  <a:solidFill>
+                    <a:schemeClr val="bg1">
+                      <a:lumMod val="50000"/>
+                    </a:schemeClr>
+                  </a:solidFill>
+                  <a:tailEnd type="triangle"/>
+                </a:ln>
+              </p:spPr>
+              <p:style>
+                <a:lnRef idx="1">
+                  <a:schemeClr val="accent1"/>
+                </a:lnRef>
+                <a:fillRef idx="0">
+                  <a:schemeClr val="accent1"/>
+                </a:fillRef>
+                <a:effectRef idx="0">
+                  <a:schemeClr val="accent1"/>
+                </a:effectRef>
+                <a:fontRef idx="minor">
+                  <a:schemeClr val="tx1"/>
+                </a:fontRef>
+              </p:style>
+            </p:cxnSp>
+            <p:cxnSp>
+              <p:nvCxnSpPr>
+                <p:cNvPr id="65" name="Conector recto de flecha 48">
+                  <a:extLst>
+                    <a:ext uri="{FF2B5EF4-FFF2-40B4-BE49-F238E27FC236}">
+                      <a16:creationId xmlns:a16="http://schemas.microsoft.com/office/drawing/2014/main" id="{9234DA37-E60E-47AC-96FA-69DF82D467DB}"/>
+                    </a:ext>
+                  </a:extLst>
+                </p:cNvPr>
+                <p:cNvCxnSpPr>
+                  <a:cxnSpLocks/>
+                  <a:endCxn id="47" idx="1"/>
+                </p:cNvCxnSpPr>
+                <p:nvPr/>
+              </p:nvCxnSpPr>
+              <p:spPr>
+                <a:xfrm>
+                  <a:off x="8412480" y="4067771"/>
+                  <a:ext cx="342748" cy="0"/>
+                </a:xfrm>
+                <a:prstGeom prst="straightConnector1">
+                  <a:avLst/>
+                </a:prstGeom>
+                <a:ln w="19050">
+                  <a:solidFill>
+                    <a:schemeClr val="bg1">
+                      <a:lumMod val="50000"/>
+                    </a:schemeClr>
+                  </a:solidFill>
+                  <a:tailEnd type="triangle"/>
+                </a:ln>
+              </p:spPr>
+              <p:style>
+                <a:lnRef idx="1">
+                  <a:schemeClr val="accent1"/>
+                </a:lnRef>
+                <a:fillRef idx="0">
+                  <a:schemeClr val="accent1"/>
+                </a:fillRef>
+                <a:effectRef idx="0">
+                  <a:schemeClr val="accent1"/>
+                </a:effectRef>
+                <a:fontRef idx="minor">
+                  <a:schemeClr val="tx1"/>
+                </a:fontRef>
+              </p:style>
+            </p:cxnSp>
+          </p:grpSp>
         </p:grpSp>
-        <p:sp>
-          <p:nvSpPr>
-            <p:cNvPr id="90" name="Rectángulo 89">
-              <a:extLst>
-                <a:ext uri="{FF2B5EF4-FFF2-40B4-BE49-F238E27FC236}">
-                  <a16:creationId xmlns:a16="http://schemas.microsoft.com/office/drawing/2014/main" id="{4E16CA6B-DE26-412B-8F81-0296228B4B50}"/>
-                </a:ext>
-              </a:extLst>
-            </p:cNvPr>
-            <p:cNvSpPr/>
-            <p:nvPr/>
-          </p:nvSpPr>
-          <p:spPr>
-            <a:xfrm>
-              <a:off x="1670180" y="83976"/>
-              <a:ext cx="9647853" cy="6662057"/>
-            </a:xfrm>
-            <a:prstGeom prst="rect">
-              <a:avLst/>
-            </a:prstGeom>
-            <a:noFill/>
-            <a:ln>
-              <a:noFill/>
-            </a:ln>
-          </p:spPr>
-          <p:style>
-            <a:lnRef idx="2">
-              <a:schemeClr val="accent1">
-                <a:shade val="50000"/>
-              </a:schemeClr>
-            </a:lnRef>
-            <a:fillRef idx="1">
-              <a:schemeClr val="accent1"/>
-            </a:fillRef>
-            <a:effectRef idx="0">
-              <a:schemeClr val="accent1"/>
-            </a:effectRef>
-            <a:fontRef idx="minor">
-              <a:schemeClr val="lt1"/>
-            </a:fontRef>
-          </p:style>
-          <p:txBody>
-            <a:bodyPr rtlCol="0" anchor="ctr"/>
-            <a:lstStyle/>
-            <a:p>
-              <a:pPr algn="ctr"/>
-              <a:endParaRPr lang="es-PE"/>
-            </a:p>
-          </p:txBody>
-        </p:sp>
       </p:grpSp>
     </p:spTree>
     <p:extLst>
